--- a/courses/sysprog/slides/lec15-stack.pptx
+++ b/courses/sysprog/slides/lec15-stack.pptx
@@ -1,6 +1,6 @@
 
 <file path=ppt/presentation.xml><?xml version="1.0" encoding="utf-8"?>
-<p:presentation xmlns:a="http://schemas.openxmlformats.org/drawingml/2006/main" xmlns:r="http://schemas.openxmlformats.org/officeDocument/2006/relationships" xmlns:p="http://schemas.openxmlformats.org/presentationml/2006/main" compatMode="1" saveSubsetFonts="1" autoCompressPictures="0">
+<p:presentation xmlns:a="http://schemas.openxmlformats.org/drawingml/2006/main" xmlns:r="http://schemas.openxmlformats.org/officeDocument/2006/relationships" xmlns:p="http://schemas.openxmlformats.org/presentationml/2006/main" saveSubsetFonts="1" autoCompressPictures="0">
   <p:sldMasterIdLst>
     <p:sldMasterId id="2147483649" r:id="rId1"/>
   </p:sldMasterIdLst>
@@ -15293,10 +15293,22 @@
               <a:buNone/>
             </a:pPr>
             <a:r>
-              <a:rPr lang="en-US" altLang="zh-CN" sz="2000" b="1">
+              <a:rPr lang="en-US" altLang="zh-CN" sz="2000" b="1" dirty="0">
                 <a:latin typeface="Courier New" panose="02070309020205020404" pitchFamily="49" charset="0"/>
               </a:rPr>
-              <a:t>// in file “stack.h”</a:t>
+              <a:t>// in file “</a:t>
+            </a:r>
+            <a:r>
+              <a:rPr lang="en-US" altLang="zh-CN" sz="2000" b="1" dirty="0" err="1">
+                <a:latin typeface="Courier New" panose="02070309020205020404" pitchFamily="49" charset="0"/>
+              </a:rPr>
+              <a:t>stack.h</a:t>
+            </a:r>
+            <a:r>
+              <a:rPr lang="en-US" altLang="zh-CN" sz="2000" b="1" dirty="0">
+                <a:latin typeface="Courier New" panose="02070309020205020404" pitchFamily="49" charset="0"/>
+              </a:rPr>
+              <a:t>”</a:t>
             </a:r>
           </a:p>
           <a:p>
@@ -15305,13 +15317,31 @@
               <a:buNone/>
             </a:pPr>
             <a:r>
-              <a:rPr lang="en-US" altLang="zh-CN" sz="2000" b="1">
+              <a:rPr lang="en-US" altLang="zh-CN" sz="2000" b="1" dirty="0">
                 <a:solidFill>
                   <a:schemeClr val="folHlink"/>
                 </a:solidFill>
                 <a:latin typeface="Courier New" panose="02070309020205020404" pitchFamily="49" charset="0"/>
               </a:rPr>
-              <a:t>#ifndef STACK_H</a:t>
+              <a:t>#</a:t>
+            </a:r>
+            <a:r>
+              <a:rPr lang="en-US" altLang="zh-CN" sz="2000" b="1" dirty="0" err="1">
+                <a:solidFill>
+                  <a:schemeClr val="folHlink"/>
+                </a:solidFill>
+                <a:latin typeface="Courier New" panose="02070309020205020404" pitchFamily="49" charset="0"/>
+              </a:rPr>
+              <a:t>ifndef</a:t>
+            </a:r>
+            <a:r>
+              <a:rPr lang="en-US" altLang="zh-CN" sz="2000" b="1" dirty="0">
+                <a:solidFill>
+                  <a:schemeClr val="folHlink"/>
+                </a:solidFill>
+                <a:latin typeface="Courier New" panose="02070309020205020404" pitchFamily="49" charset="0"/>
+              </a:rPr>
+              <a:t> STACK_H</a:t>
             </a:r>
           </a:p>
           <a:p>
@@ -15320,7 +15350,7 @@
               <a:buNone/>
             </a:pPr>
             <a:r>
-              <a:rPr lang="en-US" altLang="zh-CN" sz="2000" b="1">
+              <a:rPr lang="en-US" altLang="zh-CN" sz="2000" b="1" dirty="0">
                 <a:solidFill>
                   <a:schemeClr val="folHlink"/>
                 </a:solidFill>
@@ -15335,13 +15365,49 @@
               <a:buNone/>
             </a:pPr>
             <a:r>
-              <a:rPr lang="en-US" altLang="zh-CN" sz="2000" b="1">
+              <a:rPr lang="en-US" altLang="zh-CN" sz="2000" b="1" dirty="0">
                 <a:solidFill>
                   <a:schemeClr val="folHlink"/>
                 </a:solidFill>
                 <a:latin typeface="Courier New" panose="02070309020205020404" pitchFamily="49" charset="0"/>
               </a:rPr>
-              <a:t>typedef struct Stack_t *Stack_t;</a:t>
+              <a:t>typedef struct </a:t>
+            </a:r>
+            <a:r>
+              <a:rPr lang="en-US" altLang="zh-CN" sz="2000" b="1" dirty="0" err="1">
+                <a:solidFill>
+                  <a:schemeClr val="folHlink"/>
+                </a:solidFill>
+                <a:latin typeface="Courier New" panose="02070309020205020404" pitchFamily="49" charset="0"/>
+              </a:rPr>
+              <a:t>Stack_t</a:t>
+            </a:r>
+            <a:r>
+              <a:rPr lang="en-US" altLang="zh-CN" sz="2000" b="1" dirty="0">
+                <a:solidFill>
+                  <a:schemeClr val="folHlink"/>
+                </a:solidFill>
+                <a:latin typeface="Courier New" panose="02070309020205020404" pitchFamily="49" charset="0"/>
+              </a:rPr>
+              <a:t> *</a:t>
+            </a:r>
+            <a:r>
+              <a:rPr lang="en-US" altLang="zh-CN" sz="2000" b="1" dirty="0" err="1">
+                <a:solidFill>
+                  <a:schemeClr val="folHlink"/>
+                </a:solidFill>
+                <a:latin typeface="Courier New" panose="02070309020205020404" pitchFamily="49" charset="0"/>
+              </a:rPr>
+              <a:t>Stack_t</a:t>
+            </a:r>
+            <a:r>
+              <a:rPr lang="en-US" altLang="zh-CN" sz="2000" b="1" dirty="0">
+                <a:solidFill>
+                  <a:schemeClr val="folHlink"/>
+                </a:solidFill>
+                <a:latin typeface="Courier New" panose="02070309020205020404" pitchFamily="49" charset="0"/>
+              </a:rPr>
+              <a:t>;</a:t>
             </a:r>
           </a:p>
           <a:p>
@@ -15349,7 +15415,7 @@
               <a:buFont typeface="Wingdings" pitchFamily="2" charset="2"/>
               <a:buNone/>
             </a:pPr>
-            <a:endParaRPr lang="en-US" altLang="zh-CN" sz="2000" b="1">
+            <a:endParaRPr lang="en-US" altLang="zh-CN" sz="2000" b="1" dirty="0">
               <a:solidFill>
                 <a:schemeClr val="folHlink"/>
               </a:solidFill>
@@ -15362,13 +15428,40 @@
               <a:buNone/>
             </a:pPr>
             <a:r>
-              <a:rPr lang="en-US" altLang="zh-CN" sz="2000" b="1">
+              <a:rPr lang="en-US" altLang="zh-CN" sz="2000" b="1" dirty="0" err="1">
                 <a:solidFill>
                   <a:schemeClr val="folHlink"/>
                 </a:solidFill>
                 <a:latin typeface="Courier New" panose="02070309020205020404" pitchFamily="49" charset="0"/>
               </a:rPr>
-              <a:t>Stack_t Stack_new ();</a:t>
+              <a:t>Stack_t</a:t>
+            </a:r>
+            <a:r>
+              <a:rPr lang="en-US" altLang="zh-CN" sz="2000" b="1" dirty="0">
+                <a:solidFill>
+                  <a:schemeClr val="folHlink"/>
+                </a:solidFill>
+                <a:latin typeface="Courier New" panose="02070309020205020404" pitchFamily="49" charset="0"/>
+              </a:rPr>
+              <a:t> </a:t>
+            </a:r>
+            <a:r>
+              <a:rPr lang="en-US" altLang="zh-CN" sz="2000" b="1" dirty="0" err="1">
+                <a:solidFill>
+                  <a:schemeClr val="folHlink"/>
+                </a:solidFill>
+                <a:latin typeface="Courier New" panose="02070309020205020404" pitchFamily="49" charset="0"/>
+              </a:rPr>
+              <a:t>Stack_new</a:t>
+            </a:r>
+            <a:r>
+              <a:rPr lang="en-US" altLang="zh-CN" sz="2000" b="1" dirty="0">
+                <a:solidFill>
+                  <a:schemeClr val="folHlink"/>
+                </a:solidFill>
+                <a:latin typeface="Courier New" panose="02070309020205020404" pitchFamily="49" charset="0"/>
+              </a:rPr>
+              <a:t>();</a:t>
             </a:r>
           </a:p>
           <a:p>
@@ -15377,13 +15470,67 @@
               <a:buNone/>
             </a:pPr>
             <a:r>
-              <a:rPr lang="en-US" altLang="zh-CN" sz="2000" b="1">
+              <a:rPr lang="en-US" altLang="zh-CN" sz="2000" b="1" dirty="0">
                 <a:solidFill>
                   <a:schemeClr val="folHlink"/>
                 </a:solidFill>
                 <a:latin typeface="Courier New" panose="02070309020205020404" pitchFamily="49" charset="0"/>
               </a:rPr>
-              <a:t>int Stack_size (Stack_t stk);</a:t>
+              <a:t>int </a:t>
+            </a:r>
+            <a:r>
+              <a:rPr lang="en-US" altLang="zh-CN" sz="2000" b="1" dirty="0" err="1">
+                <a:solidFill>
+                  <a:schemeClr val="folHlink"/>
+                </a:solidFill>
+                <a:latin typeface="Courier New" panose="02070309020205020404" pitchFamily="49" charset="0"/>
+              </a:rPr>
+              <a:t>Stack_size</a:t>
+            </a:r>
+            <a:r>
+              <a:rPr lang="en-US" altLang="zh-CN" sz="2000" b="1" dirty="0">
+                <a:solidFill>
+                  <a:schemeClr val="folHlink"/>
+                </a:solidFill>
+                <a:latin typeface="Courier New" panose="02070309020205020404" pitchFamily="49" charset="0"/>
+              </a:rPr>
+              <a:t>(</a:t>
+            </a:r>
+            <a:r>
+              <a:rPr lang="en-US" altLang="zh-CN" sz="2000" b="1" dirty="0" err="1">
+                <a:solidFill>
+                  <a:schemeClr val="folHlink"/>
+                </a:solidFill>
+                <a:latin typeface="Courier New" panose="02070309020205020404" pitchFamily="49" charset="0"/>
+              </a:rPr>
+              <a:t>Stack_t</a:t>
+            </a:r>
+            <a:r>
+              <a:rPr lang="en-US" altLang="zh-CN" sz="2000" b="1" dirty="0">
+                <a:solidFill>
+                  <a:schemeClr val="folHlink"/>
+                </a:solidFill>
+                <a:latin typeface="Courier New" panose="02070309020205020404" pitchFamily="49" charset="0"/>
+              </a:rPr>
+              <a:t> </a:t>
+            </a:r>
+            <a:r>
+              <a:rPr lang="en-US" altLang="zh-CN" sz="2000" b="1" dirty="0" err="1">
+                <a:solidFill>
+                  <a:schemeClr val="folHlink"/>
+                </a:solidFill>
+                <a:latin typeface="Courier New" panose="02070309020205020404" pitchFamily="49" charset="0"/>
+              </a:rPr>
+              <a:t>stk</a:t>
+            </a:r>
+            <a:r>
+              <a:rPr lang="en-US" altLang="zh-CN" sz="2000" b="1" dirty="0">
+                <a:solidFill>
+                  <a:schemeClr val="folHlink"/>
+                </a:solidFill>
+                <a:latin typeface="Courier New" panose="02070309020205020404" pitchFamily="49" charset="0"/>
+              </a:rPr>
+              <a:t>);</a:t>
             </a:r>
           </a:p>
           <a:p>
@@ -15392,13 +15539,67 @@
               <a:buNone/>
             </a:pPr>
             <a:r>
-              <a:rPr lang="en-US" altLang="zh-CN" sz="2000" b="1">
+              <a:rPr lang="en-US" altLang="zh-CN" sz="2000" b="1" dirty="0">
                 <a:solidFill>
                   <a:schemeClr val="folHlink"/>
                 </a:solidFill>
                 <a:latin typeface="Courier New" panose="02070309020205020404" pitchFamily="49" charset="0"/>
               </a:rPr>
-              <a:t>int Stack_isEmpty (Stack_t stk);</a:t>
+              <a:t>int </a:t>
+            </a:r>
+            <a:r>
+              <a:rPr lang="en-US" altLang="zh-CN" sz="2000" b="1" dirty="0" err="1">
+                <a:solidFill>
+                  <a:schemeClr val="folHlink"/>
+                </a:solidFill>
+                <a:latin typeface="Courier New" panose="02070309020205020404" pitchFamily="49" charset="0"/>
+              </a:rPr>
+              <a:t>Stack_isEmpty</a:t>
+            </a:r>
+            <a:r>
+              <a:rPr lang="en-US" altLang="zh-CN" sz="2000" b="1" dirty="0">
+                <a:solidFill>
+                  <a:schemeClr val="folHlink"/>
+                </a:solidFill>
+                <a:latin typeface="Courier New" panose="02070309020205020404" pitchFamily="49" charset="0"/>
+              </a:rPr>
+              <a:t>(</a:t>
+            </a:r>
+            <a:r>
+              <a:rPr lang="en-US" altLang="zh-CN" sz="2000" b="1" dirty="0" err="1">
+                <a:solidFill>
+                  <a:schemeClr val="folHlink"/>
+                </a:solidFill>
+                <a:latin typeface="Courier New" panose="02070309020205020404" pitchFamily="49" charset="0"/>
+              </a:rPr>
+              <a:t>Stack_t</a:t>
+            </a:r>
+            <a:r>
+              <a:rPr lang="en-US" altLang="zh-CN" sz="2000" b="1" dirty="0">
+                <a:solidFill>
+                  <a:schemeClr val="folHlink"/>
+                </a:solidFill>
+                <a:latin typeface="Courier New" panose="02070309020205020404" pitchFamily="49" charset="0"/>
+              </a:rPr>
+              <a:t> </a:t>
+            </a:r>
+            <a:r>
+              <a:rPr lang="en-US" altLang="zh-CN" sz="2000" b="1" dirty="0" err="1">
+                <a:solidFill>
+                  <a:schemeClr val="folHlink"/>
+                </a:solidFill>
+                <a:latin typeface="Courier New" panose="02070309020205020404" pitchFamily="49" charset="0"/>
+              </a:rPr>
+              <a:t>stk</a:t>
+            </a:r>
+            <a:r>
+              <a:rPr lang="en-US" altLang="zh-CN" sz="2000" b="1" dirty="0">
+                <a:solidFill>
+                  <a:schemeClr val="folHlink"/>
+                </a:solidFill>
+                <a:latin typeface="Courier New" panose="02070309020205020404" pitchFamily="49" charset="0"/>
+              </a:rPr>
+              <a:t>);</a:t>
             </a:r>
           </a:p>
           <a:p>
@@ -15407,13 +15608,85 @@
               <a:buNone/>
             </a:pPr>
             <a:r>
-              <a:rPr lang="en-US" altLang="zh-CN" sz="2000" b="1">
+              <a:rPr lang="en-US" altLang="zh-CN" sz="2000" b="1" dirty="0">
                 <a:solidFill>
                   <a:schemeClr val="folHlink"/>
                 </a:solidFill>
                 <a:latin typeface="Courier New" panose="02070309020205020404" pitchFamily="49" charset="0"/>
               </a:rPr>
-              <a:t>void Stack_push (Stack_t stk, poly x);</a:t>
+              <a:t>void </a:t>
+            </a:r>
+            <a:r>
+              <a:rPr lang="en-US" altLang="zh-CN" sz="2000" b="1" dirty="0" err="1">
+                <a:solidFill>
+                  <a:schemeClr val="folHlink"/>
+                </a:solidFill>
+                <a:latin typeface="Courier New" panose="02070309020205020404" pitchFamily="49" charset="0"/>
+              </a:rPr>
+              <a:t>Stack_push</a:t>
+            </a:r>
+            <a:r>
+              <a:rPr lang="en-US" altLang="zh-CN" sz="2000" b="1" dirty="0">
+                <a:solidFill>
+                  <a:schemeClr val="folHlink"/>
+                </a:solidFill>
+                <a:latin typeface="Courier New" panose="02070309020205020404" pitchFamily="49" charset="0"/>
+              </a:rPr>
+              <a:t>(</a:t>
+            </a:r>
+            <a:r>
+              <a:rPr lang="en-US" altLang="zh-CN" sz="2000" b="1" dirty="0" err="1">
+                <a:solidFill>
+                  <a:schemeClr val="folHlink"/>
+                </a:solidFill>
+                <a:latin typeface="Courier New" panose="02070309020205020404" pitchFamily="49" charset="0"/>
+              </a:rPr>
+              <a:t>Stack_t</a:t>
+            </a:r>
+            <a:r>
+              <a:rPr lang="en-US" altLang="zh-CN" sz="2000" b="1" dirty="0">
+                <a:solidFill>
+                  <a:schemeClr val="folHlink"/>
+                </a:solidFill>
+                <a:latin typeface="Courier New" panose="02070309020205020404" pitchFamily="49" charset="0"/>
+              </a:rPr>
+              <a:t> </a:t>
+            </a:r>
+            <a:r>
+              <a:rPr lang="en-US" altLang="zh-CN" sz="2000" b="1" dirty="0" err="1">
+                <a:solidFill>
+                  <a:schemeClr val="folHlink"/>
+                </a:solidFill>
+                <a:latin typeface="Courier New" panose="02070309020205020404" pitchFamily="49" charset="0"/>
+              </a:rPr>
+              <a:t>stk</a:t>
+            </a:r>
+            <a:r>
+              <a:rPr lang="en-US" altLang="zh-CN" sz="2000" b="1" dirty="0">
+                <a:solidFill>
+                  <a:schemeClr val="folHlink"/>
+                </a:solidFill>
+                <a:latin typeface="Courier New" panose="02070309020205020404" pitchFamily="49" charset="0"/>
+              </a:rPr>
+              <a:t>, </a:t>
+            </a:r>
+            <a:r>
+              <a:rPr lang="en-US" altLang="zh-CN" sz="2000" b="1" dirty="0" err="1">
+                <a:solidFill>
+                  <a:schemeClr val="folHlink"/>
+                </a:solidFill>
+                <a:latin typeface="Courier New" panose="02070309020205020404" pitchFamily="49" charset="0"/>
+              </a:rPr>
+              <a:t>Poly_t</a:t>
+            </a:r>
+            <a:r>
+              <a:rPr lang="en-US" altLang="zh-CN" sz="2000" b="1" dirty="0">
+                <a:solidFill>
+                  <a:schemeClr val="folHlink"/>
+                </a:solidFill>
+                <a:latin typeface="Courier New" panose="02070309020205020404" pitchFamily="49" charset="0"/>
+              </a:rPr>
+              <a:t> x);</a:t>
             </a:r>
           </a:p>
           <a:p>
@@ -15422,13 +15695,76 @@
               <a:buNone/>
             </a:pPr>
             <a:r>
-              <a:rPr lang="en-US" altLang="zh-CN" sz="2000" b="1">
+              <a:rPr lang="en-US" altLang="zh-CN" sz="2000" b="1" dirty="0" err="1">
                 <a:solidFill>
                   <a:schemeClr val="folHlink"/>
                 </a:solidFill>
                 <a:latin typeface="Courier New" panose="02070309020205020404" pitchFamily="49" charset="0"/>
               </a:rPr>
-              <a:t>poly Stack_pop (Stack_t stk);</a:t>
+              <a:t>Poly_t</a:t>
+            </a:r>
+            <a:r>
+              <a:rPr lang="en-US" altLang="zh-CN" sz="2000" b="1" dirty="0">
+                <a:solidFill>
+                  <a:schemeClr val="folHlink"/>
+                </a:solidFill>
+                <a:latin typeface="Courier New" panose="02070309020205020404" pitchFamily="49" charset="0"/>
+              </a:rPr>
+              <a:t> </a:t>
+            </a:r>
+            <a:r>
+              <a:rPr lang="en-US" altLang="zh-CN" sz="2000" b="1" dirty="0" err="1">
+                <a:solidFill>
+                  <a:schemeClr val="folHlink"/>
+                </a:solidFill>
+                <a:latin typeface="Courier New" panose="02070309020205020404" pitchFamily="49" charset="0"/>
+              </a:rPr>
+              <a:t>Stack_pop</a:t>
+            </a:r>
+            <a:r>
+              <a:rPr lang="en-US" altLang="zh-CN" sz="2000" b="1" dirty="0">
+                <a:solidFill>
+                  <a:schemeClr val="folHlink"/>
+                </a:solidFill>
+                <a:latin typeface="Courier New" panose="02070309020205020404" pitchFamily="49" charset="0"/>
+              </a:rPr>
+              <a:t>(</a:t>
+            </a:r>
+            <a:r>
+              <a:rPr lang="en-US" altLang="zh-CN" sz="2000" b="1" dirty="0" err="1">
+                <a:solidFill>
+                  <a:schemeClr val="folHlink"/>
+                </a:solidFill>
+                <a:latin typeface="Courier New" panose="02070309020205020404" pitchFamily="49" charset="0"/>
+              </a:rPr>
+              <a:t>Stack_t</a:t>
+            </a:r>
+            <a:r>
+              <a:rPr lang="en-US" altLang="zh-CN" sz="2000" b="1" dirty="0">
+                <a:solidFill>
+                  <a:schemeClr val="folHlink"/>
+                </a:solidFill>
+                <a:latin typeface="Courier New" panose="02070309020205020404" pitchFamily="49" charset="0"/>
+              </a:rPr>
+              <a:t> </a:t>
+            </a:r>
+            <a:r>
+              <a:rPr lang="en-US" altLang="zh-CN" sz="2000" b="1" dirty="0" err="1">
+                <a:solidFill>
+                  <a:schemeClr val="folHlink"/>
+                </a:solidFill>
+                <a:latin typeface="Courier New" panose="02070309020205020404" pitchFamily="49" charset="0"/>
+              </a:rPr>
+              <a:t>stk</a:t>
+            </a:r>
+            <a:r>
+              <a:rPr lang="en-US" altLang="zh-CN" sz="2000" b="1" dirty="0">
+                <a:solidFill>
+                  <a:schemeClr val="folHlink"/>
+                </a:solidFill>
+                <a:latin typeface="Courier New" panose="02070309020205020404" pitchFamily="49" charset="0"/>
+              </a:rPr>
+              <a:t>);</a:t>
             </a:r>
           </a:p>
           <a:p>
@@ -15437,13 +15773,76 @@
               <a:buNone/>
             </a:pPr>
             <a:r>
-              <a:rPr lang="en-US" altLang="zh-CN" sz="2000" b="1">
+              <a:rPr lang="en-US" altLang="zh-CN" sz="2000" b="1" dirty="0" err="1">
                 <a:solidFill>
                   <a:schemeClr val="folHlink"/>
                 </a:solidFill>
                 <a:latin typeface="Courier New" panose="02070309020205020404" pitchFamily="49" charset="0"/>
               </a:rPr>
-              <a:t>poly Stack_getTop (Stack_t stk);</a:t>
+              <a:t>Poly_t</a:t>
+            </a:r>
+            <a:r>
+              <a:rPr lang="en-US" altLang="zh-CN" sz="2000" b="1" dirty="0">
+                <a:solidFill>
+                  <a:schemeClr val="folHlink"/>
+                </a:solidFill>
+                <a:latin typeface="Courier New" panose="02070309020205020404" pitchFamily="49" charset="0"/>
+              </a:rPr>
+              <a:t> </a:t>
+            </a:r>
+            <a:r>
+              <a:rPr lang="en-US" altLang="zh-CN" sz="2000" b="1" dirty="0" err="1">
+                <a:solidFill>
+                  <a:schemeClr val="folHlink"/>
+                </a:solidFill>
+                <a:latin typeface="Courier New" panose="02070309020205020404" pitchFamily="49" charset="0"/>
+              </a:rPr>
+              <a:t>Stack_getTop</a:t>
+            </a:r>
+            <a:r>
+              <a:rPr lang="en-US" altLang="zh-CN" sz="2000" b="1" dirty="0">
+                <a:solidFill>
+                  <a:schemeClr val="folHlink"/>
+                </a:solidFill>
+                <a:latin typeface="Courier New" panose="02070309020205020404" pitchFamily="49" charset="0"/>
+              </a:rPr>
+              <a:t>(</a:t>
+            </a:r>
+            <a:r>
+              <a:rPr lang="en-US" altLang="zh-CN" sz="2000" b="1" dirty="0" err="1">
+                <a:solidFill>
+                  <a:schemeClr val="folHlink"/>
+                </a:solidFill>
+                <a:latin typeface="Courier New" panose="02070309020205020404" pitchFamily="49" charset="0"/>
+              </a:rPr>
+              <a:t>Stack_t</a:t>
+            </a:r>
+            <a:r>
+              <a:rPr lang="en-US" altLang="zh-CN" sz="2000" b="1" dirty="0">
+                <a:solidFill>
+                  <a:schemeClr val="folHlink"/>
+                </a:solidFill>
+                <a:latin typeface="Courier New" panose="02070309020205020404" pitchFamily="49" charset="0"/>
+              </a:rPr>
+              <a:t> </a:t>
+            </a:r>
+            <a:r>
+              <a:rPr lang="en-US" altLang="zh-CN" sz="2000" b="1" dirty="0" err="1">
+                <a:solidFill>
+                  <a:schemeClr val="folHlink"/>
+                </a:solidFill>
+                <a:latin typeface="Courier New" panose="02070309020205020404" pitchFamily="49" charset="0"/>
+              </a:rPr>
+              <a:t>stk</a:t>
+            </a:r>
+            <a:r>
+              <a:rPr lang="en-US" altLang="zh-CN" sz="2000" b="1" dirty="0">
+                <a:solidFill>
+                  <a:schemeClr val="folHlink"/>
+                </a:solidFill>
+                <a:latin typeface="Courier New" panose="02070309020205020404" pitchFamily="49" charset="0"/>
+              </a:rPr>
+              <a:t>);</a:t>
             </a:r>
           </a:p>
           <a:p>
@@ -15451,7 +15850,7 @@
               <a:buFont typeface="Wingdings" pitchFamily="2" charset="2"/>
               <a:buNone/>
             </a:pPr>
-            <a:endParaRPr lang="en-US" altLang="zh-CN" sz="2000" b="1">
+            <a:endParaRPr lang="en-US" altLang="zh-CN" sz="2000" b="1" dirty="0">
               <a:solidFill>
                 <a:schemeClr val="folHlink"/>
               </a:solidFill>
@@ -15464,7 +15863,7 @@
               <a:buNone/>
             </a:pPr>
             <a:r>
-              <a:rPr lang="en-US" altLang="zh-CN" sz="2000" b="1">
+              <a:rPr lang="en-US" altLang="zh-CN" sz="2000" b="1" dirty="0">
                 <a:solidFill>
                   <a:schemeClr val="folHlink"/>
                 </a:solidFill>
@@ -15554,10 +15953,22 @@
               <a:buNone/>
             </a:pPr>
             <a:r>
-              <a:rPr lang="en-US" altLang="zh-CN" sz="2000" b="1">
+              <a:rPr lang="en-US" altLang="zh-CN" sz="2000" b="1" dirty="0">
                 <a:latin typeface="Courier New" panose="02070309020205020404" pitchFamily="49" charset="0"/>
               </a:rPr>
-              <a:t>// in file “arrayStack.c”</a:t>
+              <a:t>// in file “</a:t>
+            </a:r>
+            <a:r>
+              <a:rPr lang="en-US" altLang="zh-CN" sz="2000" b="1" dirty="0" err="1">
+                <a:latin typeface="Courier New" panose="02070309020205020404" pitchFamily="49" charset="0"/>
+              </a:rPr>
+              <a:t>arrayStack.c</a:t>
+            </a:r>
+            <a:r>
+              <a:rPr lang="en-US" altLang="zh-CN" sz="2000" b="1" dirty="0">
+                <a:latin typeface="Courier New" panose="02070309020205020404" pitchFamily="49" charset="0"/>
+              </a:rPr>
+              <a:t>”</a:t>
             </a:r>
           </a:p>
           <a:p>
@@ -15566,13 +15977,31 @@
               <a:buNone/>
             </a:pPr>
             <a:r>
-              <a:rPr lang="en-US" altLang="zh-CN" sz="2000" b="1">
+              <a:rPr lang="en-US" altLang="zh-CN" sz="2000" b="1" dirty="0">
                 <a:solidFill>
                   <a:schemeClr val="folHlink"/>
                 </a:solidFill>
                 <a:latin typeface="Courier New" panose="02070309020205020404" pitchFamily="49" charset="0"/>
               </a:rPr>
-              <a:t>#include “array.h”</a:t>
+              <a:t>#include “</a:t>
+            </a:r>
+            <a:r>
+              <a:rPr lang="en-US" altLang="zh-CN" sz="2000" b="1" dirty="0" err="1">
+                <a:solidFill>
+                  <a:schemeClr val="folHlink"/>
+                </a:solidFill>
+                <a:latin typeface="Courier New" panose="02070309020205020404" pitchFamily="49" charset="0"/>
+              </a:rPr>
+              <a:t>array.h</a:t>
+            </a:r>
+            <a:r>
+              <a:rPr lang="en-US" altLang="zh-CN" sz="2000" b="1" dirty="0">
+                <a:solidFill>
+                  <a:schemeClr val="folHlink"/>
+                </a:solidFill>
+                <a:latin typeface="Courier New" panose="02070309020205020404" pitchFamily="49" charset="0"/>
+              </a:rPr>
+              <a:t>”</a:t>
             </a:r>
           </a:p>
           <a:p>
@@ -15580,7 +16009,7 @@
               <a:buFont typeface="Wingdings" pitchFamily="2" charset="2"/>
               <a:buNone/>
             </a:pPr>
-            <a:endParaRPr lang="en-US" altLang="zh-CN" sz="2000" b="1">
+            <a:endParaRPr lang="en-US" altLang="zh-CN" sz="2000" b="1" dirty="0">
               <a:solidFill>
                 <a:schemeClr val="folHlink"/>
               </a:solidFill>
@@ -15593,13 +16022,31 @@
               <a:buNone/>
             </a:pPr>
             <a:r>
-              <a:rPr lang="en-US" altLang="zh-CN" sz="2000" b="1">
+              <a:rPr lang="en-US" altLang="zh-CN" sz="2000" b="1" dirty="0">
                 <a:solidFill>
                   <a:schemeClr val="folHlink"/>
                 </a:solidFill>
                 <a:latin typeface="Courier New" panose="02070309020205020404" pitchFamily="49" charset="0"/>
               </a:rPr>
-              <a:t>struct Stack_t</a:t>
+              <a:t>struct </a:t>
+            </a:r>
+            <a:r>
+              <a:rPr lang="en-US" altLang="zh-CN" sz="2000" b="1" dirty="0" err="1">
+                <a:solidFill>
+                  <a:schemeClr val="folHlink"/>
+                </a:solidFill>
+                <a:latin typeface="Courier New" panose="02070309020205020404" pitchFamily="49" charset="0"/>
+              </a:rPr>
+              <a:t>Stack_t</a:t>
+            </a:r>
+            <a:r>
+              <a:rPr lang="en-US" altLang="zh-CN" sz="2000" b="1" dirty="0">
+                <a:solidFill>
+                  <a:schemeClr val="folHlink"/>
+                </a:solidFill>
+                <a:latin typeface="Courier New" panose="02070309020205020404" pitchFamily="49" charset="0"/>
+              </a:rPr>
+              <a:t>{</a:t>
             </a:r>
           </a:p>
           <a:p>
@@ -15608,13 +16055,31 @@
               <a:buNone/>
             </a:pPr>
             <a:r>
-              <a:rPr lang="en-US" altLang="zh-CN" sz="2000" b="1">
+              <a:rPr lang="en-US" altLang="zh-CN" sz="2000" b="1" dirty="0">
                 <a:solidFill>
                   <a:schemeClr val="folHlink"/>
                 </a:solidFill>
                 <a:latin typeface="Courier New" panose="02070309020205020404" pitchFamily="49" charset="0"/>
               </a:rPr>
-              <a:t>{</a:t>
+              <a:t>  </a:t>
+            </a:r>
+            <a:r>
+              <a:rPr lang="en-US" altLang="zh-CN" sz="2000" b="1" dirty="0" err="1">
+                <a:solidFill>
+                  <a:schemeClr val="folHlink"/>
+                </a:solidFill>
+                <a:latin typeface="Courier New" panose="02070309020205020404" pitchFamily="49" charset="0"/>
+              </a:rPr>
+              <a:t>Array_t</a:t>
+            </a:r>
+            <a:r>
+              <a:rPr lang="en-US" altLang="zh-CN" sz="2000" b="1" dirty="0">
+                <a:solidFill>
+                  <a:schemeClr val="folHlink"/>
+                </a:solidFill>
+                <a:latin typeface="Courier New" panose="02070309020205020404" pitchFamily="49" charset="0"/>
+              </a:rPr>
+              <a:t> l;</a:t>
             </a:r>
           </a:p>
           <a:p>
@@ -15623,13 +16088,13 @@
               <a:buNone/>
             </a:pPr>
             <a:r>
-              <a:rPr lang="en-US" altLang="zh-CN" sz="2000" b="1">
+              <a:rPr lang="en-US" altLang="zh-CN" sz="2000" b="1" dirty="0">
                 <a:solidFill>
                   <a:schemeClr val="folHlink"/>
                 </a:solidFill>
                 <a:latin typeface="Courier New" panose="02070309020205020404" pitchFamily="49" charset="0"/>
               </a:rPr>
-              <a:t>  Array_t l;</a:t>
+              <a:t>};</a:t>
             </a:r>
           </a:p>
           <a:p>
@@ -15637,32 +16102,17 @@
               <a:buFont typeface="Wingdings" pitchFamily="2" charset="2"/>
               <a:buNone/>
             </a:pPr>
-            <a:r>
-              <a:rPr lang="en-US" altLang="zh-CN" sz="2000" b="1">
-                <a:solidFill>
-                  <a:schemeClr val="folHlink"/>
-                </a:solidFill>
-                <a:latin typeface="Courier New" panose="02070309020205020404" pitchFamily="49" charset="0"/>
-              </a:rPr>
-              <a:t>};</a:t>
-            </a:r>
+            <a:endParaRPr lang="en-US" altLang="zh-CN" sz="2000" b="1" dirty="0">
+              <a:latin typeface="Courier New" panose="02070309020205020404" pitchFamily="49" charset="0"/>
+            </a:endParaRPr>
           </a:p>
           <a:p>
             <a:pPr>
               <a:buFont typeface="Wingdings" pitchFamily="2" charset="2"/>
               <a:buNone/>
             </a:pPr>
-            <a:endParaRPr lang="en-US" altLang="zh-CN" sz="2000" b="1">
-              <a:latin typeface="Courier New" panose="02070309020205020404" pitchFamily="49" charset="0"/>
-            </a:endParaRPr>
-          </a:p>
-          <a:p>
-            <a:pPr>
-              <a:buFont typeface="Wingdings" pitchFamily="2" charset="2"/>
-              <a:buNone/>
-            </a:pPr>
-            <a:r>
-              <a:rPr lang="en-US" altLang="zh-CN" sz="2000" b="1">
+            <a:r>
+              <a:rPr lang="en-US" altLang="zh-CN" sz="2000" b="1" dirty="0">
                 <a:latin typeface="Courier New" panose="02070309020205020404" pitchFamily="49" charset="0"/>
               </a:rPr>
               <a:t>// Recall the “box” strategy:</a:t>
@@ -16118,13 +16568,40 @@
               <a:buNone/>
             </a:pPr>
             <a:r>
-              <a:rPr lang="en-US" altLang="zh-CN" sz="2000" b="1">
+              <a:rPr lang="en-US" altLang="zh-CN" sz="2000" b="1" dirty="0" err="1">
                 <a:solidFill>
                   <a:schemeClr val="folHlink"/>
                 </a:solidFill>
                 <a:latin typeface="Courier New" panose="02070309020205020404" pitchFamily="49" charset="0"/>
               </a:rPr>
-              <a:t>Stack_t Stack_new ()</a:t>
+              <a:t>Stack_t</a:t>
+            </a:r>
+            <a:r>
+              <a:rPr lang="en-US" altLang="zh-CN" sz="2000" b="1" dirty="0">
+                <a:solidFill>
+                  <a:schemeClr val="folHlink"/>
+                </a:solidFill>
+                <a:latin typeface="Courier New" panose="02070309020205020404" pitchFamily="49" charset="0"/>
+              </a:rPr>
+              <a:t> </a:t>
+            </a:r>
+            <a:r>
+              <a:rPr lang="en-US" altLang="zh-CN" sz="2000" b="1" dirty="0" err="1">
+                <a:solidFill>
+                  <a:schemeClr val="folHlink"/>
+                </a:solidFill>
+                <a:latin typeface="Courier New" panose="02070309020205020404" pitchFamily="49" charset="0"/>
+              </a:rPr>
+              <a:t>Stack_new</a:t>
+            </a:r>
+            <a:r>
+              <a:rPr lang="en-US" altLang="zh-CN" sz="2000" b="1" dirty="0">
+                <a:solidFill>
+                  <a:schemeClr val="folHlink"/>
+                </a:solidFill>
+                <a:latin typeface="Courier New" panose="02070309020205020404" pitchFamily="49" charset="0"/>
+              </a:rPr>
+              <a:t>(){</a:t>
             </a:r>
           </a:p>
           <a:p>
@@ -16133,13 +16610,94 @@
               <a:buNone/>
             </a:pPr>
             <a:r>
-              <a:rPr lang="en-US" altLang="zh-CN" sz="2000" b="1">
+              <a:rPr lang="en-US" altLang="zh-CN" sz="2000" b="1" dirty="0">
                 <a:solidFill>
                   <a:schemeClr val="folHlink"/>
                 </a:solidFill>
                 <a:latin typeface="Courier New" panose="02070309020205020404" pitchFamily="49" charset="0"/>
               </a:rPr>
-              <a:t>{</a:t>
+              <a:t>  </a:t>
+            </a:r>
+            <a:r>
+              <a:rPr lang="en-US" altLang="zh-CN" sz="2000" b="1" dirty="0" err="1">
+                <a:solidFill>
+                  <a:schemeClr val="folHlink"/>
+                </a:solidFill>
+                <a:latin typeface="Courier New" panose="02070309020205020404" pitchFamily="49" charset="0"/>
+              </a:rPr>
+              <a:t>Stack_t</a:t>
+            </a:r>
+            <a:r>
+              <a:rPr lang="en-US" altLang="zh-CN" sz="2000" b="1" dirty="0">
+                <a:solidFill>
+                  <a:schemeClr val="folHlink"/>
+                </a:solidFill>
+                <a:latin typeface="Courier New" panose="02070309020205020404" pitchFamily="49" charset="0"/>
+              </a:rPr>
+              <a:t> </a:t>
+            </a:r>
+            <a:r>
+              <a:rPr lang="en-US" altLang="zh-CN" sz="2000" b="1" dirty="0" err="1">
+                <a:solidFill>
+                  <a:schemeClr val="folHlink"/>
+                </a:solidFill>
+                <a:latin typeface="Courier New" panose="02070309020205020404" pitchFamily="49" charset="0"/>
+              </a:rPr>
+              <a:t>stk</a:t>
+            </a:r>
+            <a:r>
+              <a:rPr lang="en-US" altLang="zh-CN" sz="2000" b="1" dirty="0">
+                <a:solidFill>
+                  <a:schemeClr val="folHlink"/>
+                </a:solidFill>
+                <a:latin typeface="Courier New" panose="02070309020205020404" pitchFamily="49" charset="0"/>
+              </a:rPr>
+              <a:t> </a:t>
+            </a:r>
+            <a:r>
+              <a:rPr lang="en-US" altLang="zh-CN" sz="2000" b="1">
+                <a:solidFill>
+                  <a:schemeClr val="folHlink"/>
+                </a:solidFill>
+                <a:latin typeface="Courier New" panose="02070309020205020404" pitchFamily="49" charset="0"/>
+              </a:rPr>
+              <a:t>= malloc(</a:t>
+            </a:r>
+            <a:r>
+              <a:rPr lang="en-US" altLang="zh-CN" sz="2000" b="1" dirty="0" err="1">
+                <a:solidFill>
+                  <a:schemeClr val="folHlink"/>
+                </a:solidFill>
+                <a:latin typeface="Courier New" panose="02070309020205020404" pitchFamily="49" charset="0"/>
+              </a:rPr>
+              <a:t>sizeof</a:t>
+            </a:r>
+            <a:r>
+              <a:rPr lang="en-US" altLang="zh-CN" sz="2000" b="1" dirty="0">
+                <a:solidFill>
+                  <a:schemeClr val="folHlink"/>
+                </a:solidFill>
+                <a:latin typeface="Courier New" panose="02070309020205020404" pitchFamily="49" charset="0"/>
+              </a:rPr>
+              <a:t> (*</a:t>
+            </a:r>
+            <a:r>
+              <a:rPr lang="en-US" altLang="zh-CN" sz="2000" b="1" dirty="0" err="1">
+                <a:solidFill>
+                  <a:schemeClr val="folHlink"/>
+                </a:solidFill>
+                <a:latin typeface="Courier New" panose="02070309020205020404" pitchFamily="49" charset="0"/>
+              </a:rPr>
+              <a:t>stk</a:t>
+            </a:r>
+            <a:r>
+              <a:rPr lang="en-US" altLang="zh-CN" sz="2000" b="1" dirty="0">
+                <a:solidFill>
+                  <a:schemeClr val="folHlink"/>
+                </a:solidFill>
+                <a:latin typeface="Courier New" panose="02070309020205020404" pitchFamily="49" charset="0"/>
+              </a:rPr>
+              <a:t>));</a:t>
             </a:r>
           </a:p>
           <a:p>
@@ -16148,13 +16706,49 @@
               <a:buNone/>
             </a:pPr>
             <a:r>
-              <a:rPr lang="en-US" altLang="zh-CN" sz="2000" b="1">
+              <a:rPr lang="en-US" altLang="zh-CN" sz="2000" b="1" dirty="0">
                 <a:solidFill>
                   <a:schemeClr val="folHlink"/>
                 </a:solidFill>
                 <a:latin typeface="Courier New" panose="02070309020205020404" pitchFamily="49" charset="0"/>
               </a:rPr>
-              <a:t>  Stack_t stk = malloc (sizeof (*stk));</a:t>
+              <a:t>  </a:t>
+            </a:r>
+            <a:r>
+              <a:rPr lang="en-US" altLang="zh-CN" sz="2000" b="1" dirty="0" err="1">
+                <a:solidFill>
+                  <a:schemeClr val="folHlink"/>
+                </a:solidFill>
+                <a:latin typeface="Courier New" panose="02070309020205020404" pitchFamily="49" charset="0"/>
+              </a:rPr>
+              <a:t>stk</a:t>
+            </a:r>
+            <a:r>
+              <a:rPr lang="en-US" altLang="zh-CN" sz="2000" b="1" dirty="0">
+                <a:solidFill>
+                  <a:schemeClr val="folHlink"/>
+                </a:solidFill>
+                <a:latin typeface="Courier New" panose="02070309020205020404" pitchFamily="49" charset="0"/>
+              </a:rPr>
+              <a:t>-&gt;l = </a:t>
+            </a:r>
+            <a:r>
+              <a:rPr lang="en-US" altLang="zh-CN" sz="2000" b="1" dirty="0" err="1">
+                <a:solidFill>
+                  <a:schemeClr val="folHlink"/>
+                </a:solidFill>
+                <a:latin typeface="Courier New" panose="02070309020205020404" pitchFamily="49" charset="0"/>
+              </a:rPr>
+              <a:t>ArrayList_new</a:t>
+            </a:r>
+            <a:r>
+              <a:rPr lang="en-US" altLang="zh-CN" sz="2000" b="1" dirty="0">
+                <a:solidFill>
+                  <a:schemeClr val="folHlink"/>
+                </a:solidFill>
+                <a:latin typeface="Courier New" panose="02070309020205020404" pitchFamily="49" charset="0"/>
+              </a:rPr>
+              <a:t> ();</a:t>
             </a:r>
           </a:p>
           <a:p>
@@ -16162,22 +16756,7 @@
               <a:buFont typeface="Wingdings" pitchFamily="2" charset="2"/>
               <a:buNone/>
             </a:pPr>
-            <a:r>
-              <a:rPr lang="en-US" altLang="zh-CN" sz="2000" b="1">
-                <a:solidFill>
-                  <a:schemeClr val="folHlink"/>
-                </a:solidFill>
-                <a:latin typeface="Courier New" panose="02070309020205020404" pitchFamily="49" charset="0"/>
-              </a:rPr>
-              <a:t>  stk-&gt;l = ArrayList_new ();</a:t>
-            </a:r>
-          </a:p>
-          <a:p>
-            <a:pPr>
-              <a:buFont typeface="Wingdings" pitchFamily="2" charset="2"/>
-              <a:buNone/>
-            </a:pPr>
-            <a:endParaRPr lang="en-US" altLang="zh-CN" sz="2000" b="1">
+            <a:endParaRPr lang="en-US" altLang="zh-CN" sz="2000" b="1" dirty="0">
               <a:solidFill>
                 <a:schemeClr val="folHlink"/>
               </a:solidFill>
@@ -16190,13 +16769,31 @@
               <a:buNone/>
             </a:pPr>
             <a:r>
-              <a:rPr lang="en-US" altLang="zh-CN" sz="2000" b="1">
+              <a:rPr lang="en-US" altLang="zh-CN" sz="2000" b="1" dirty="0">
                 <a:solidFill>
                   <a:schemeClr val="folHlink"/>
                 </a:solidFill>
                 <a:latin typeface="Courier New" panose="02070309020205020404" pitchFamily="49" charset="0"/>
               </a:rPr>
-              <a:t>  return stk;</a:t>
+              <a:t>  return </a:t>
+            </a:r>
+            <a:r>
+              <a:rPr lang="en-US" altLang="zh-CN" sz="2000" b="1" dirty="0" err="1">
+                <a:solidFill>
+                  <a:schemeClr val="folHlink"/>
+                </a:solidFill>
+                <a:latin typeface="Courier New" panose="02070309020205020404" pitchFamily="49" charset="0"/>
+              </a:rPr>
+              <a:t>stk</a:t>
+            </a:r>
+            <a:r>
+              <a:rPr lang="en-US" altLang="zh-CN" sz="2000" b="1" dirty="0">
+                <a:solidFill>
+                  <a:schemeClr val="folHlink"/>
+                </a:solidFill>
+                <a:latin typeface="Courier New" panose="02070309020205020404" pitchFamily="49" charset="0"/>
+              </a:rPr>
+              <a:t>;</a:t>
             </a:r>
           </a:p>
           <a:p>
@@ -16205,7 +16802,7 @@
               <a:buNone/>
             </a:pPr>
             <a:r>
-              <a:rPr lang="en-US" altLang="zh-CN" sz="2000" b="1">
+              <a:rPr lang="en-US" altLang="zh-CN" sz="2000" b="1" dirty="0">
                 <a:solidFill>
                   <a:schemeClr val="folHlink"/>
                 </a:solidFill>

--- a/courses/sysprog/slides/lec15-stack.pptx
+++ b/courses/sysprog/slides/lec15-stack.pptx
@@ -5211,13 +5211,76 @@
               <a:buNone/>
             </a:pPr>
             <a:r>
-              <a:rPr lang="en-US" altLang="zh-CN" sz="2000" b="1">
+              <a:rPr lang="en-US" altLang="zh-CN" sz="2000" b="1" dirty="0" err="1">
                 <a:solidFill>
                   <a:schemeClr val="folHlink"/>
                 </a:solidFill>
                 <a:latin typeface="Courier New" panose="02070309020205020404" pitchFamily="49" charset="0"/>
               </a:rPr>
-              <a:t>poly Stack_pop (Stack_t stk)</a:t>
+              <a:t>Poly_t</a:t>
+            </a:r>
+            <a:r>
+              <a:rPr lang="en-US" altLang="zh-CN" sz="2000" b="1" dirty="0">
+                <a:solidFill>
+                  <a:schemeClr val="folHlink"/>
+                </a:solidFill>
+                <a:latin typeface="Courier New" panose="02070309020205020404" pitchFamily="49" charset="0"/>
+              </a:rPr>
+              <a:t> </a:t>
+            </a:r>
+            <a:r>
+              <a:rPr lang="en-US" altLang="zh-CN" sz="2000" b="1" dirty="0" err="1">
+                <a:solidFill>
+                  <a:schemeClr val="folHlink"/>
+                </a:solidFill>
+                <a:latin typeface="Courier New" panose="02070309020205020404" pitchFamily="49" charset="0"/>
+              </a:rPr>
+              <a:t>Stack_pop</a:t>
+            </a:r>
+            <a:r>
+              <a:rPr lang="en-US" altLang="zh-CN" sz="2000" b="1" dirty="0">
+                <a:solidFill>
+                  <a:schemeClr val="folHlink"/>
+                </a:solidFill>
+                <a:latin typeface="Courier New" panose="02070309020205020404" pitchFamily="49" charset="0"/>
+              </a:rPr>
+              <a:t>(</a:t>
+            </a:r>
+            <a:r>
+              <a:rPr lang="en-US" altLang="zh-CN" sz="2000" b="1" dirty="0" err="1">
+                <a:solidFill>
+                  <a:schemeClr val="folHlink"/>
+                </a:solidFill>
+                <a:latin typeface="Courier New" panose="02070309020205020404" pitchFamily="49" charset="0"/>
+              </a:rPr>
+              <a:t>Stack_t</a:t>
+            </a:r>
+            <a:r>
+              <a:rPr lang="en-US" altLang="zh-CN" sz="2000" b="1" dirty="0">
+                <a:solidFill>
+                  <a:schemeClr val="folHlink"/>
+                </a:solidFill>
+                <a:latin typeface="Courier New" panose="02070309020205020404" pitchFamily="49" charset="0"/>
+              </a:rPr>
+              <a:t> </a:t>
+            </a:r>
+            <a:r>
+              <a:rPr lang="en-US" altLang="zh-CN" sz="2000" b="1" dirty="0" err="1">
+                <a:solidFill>
+                  <a:schemeClr val="folHlink"/>
+                </a:solidFill>
+                <a:latin typeface="Courier New" panose="02070309020205020404" pitchFamily="49" charset="0"/>
+              </a:rPr>
+              <a:t>stk</a:t>
+            </a:r>
+            <a:r>
+              <a:rPr lang="en-US" altLang="zh-CN" sz="2000" b="1" dirty="0">
+                <a:solidFill>
+                  <a:schemeClr val="folHlink"/>
+                </a:solidFill>
+                <a:latin typeface="Courier New" panose="02070309020205020404" pitchFamily="49" charset="0"/>
+              </a:rPr>
+              <a:t>){</a:t>
             </a:r>
           </a:p>
           <a:p>
@@ -5229,13 +5292,49 @@
               <a:buNone/>
             </a:pPr>
             <a:r>
-              <a:rPr lang="en-US" altLang="zh-CN" sz="2000" b="1">
+              <a:rPr lang="en-US" altLang="zh-CN" sz="2000" b="1" dirty="0">
                 <a:solidFill>
                   <a:schemeClr val="folHlink"/>
                 </a:solidFill>
                 <a:latin typeface="Courier New" panose="02070309020205020404" pitchFamily="49" charset="0"/>
               </a:rPr>
-              <a:t>{</a:t>
+              <a:t>  if(</a:t>
+            </a:r>
+            <a:r>
+              <a:rPr lang="en-US" altLang="zh-CN" sz="2000" b="1" dirty="0" err="1">
+                <a:solidFill>
+                  <a:schemeClr val="folHlink"/>
+                </a:solidFill>
+                <a:latin typeface="Courier New" panose="02070309020205020404" pitchFamily="49" charset="0"/>
+              </a:rPr>
+              <a:t>Vector_isEmpty</a:t>
+            </a:r>
+            <a:r>
+              <a:rPr lang="en-US" altLang="zh-CN" sz="2000" b="1" dirty="0">
+                <a:solidFill>
+                  <a:schemeClr val="folHlink"/>
+                </a:solidFill>
+                <a:latin typeface="Courier New" panose="02070309020205020404" pitchFamily="49" charset="0"/>
+              </a:rPr>
+              <a:t>(</a:t>
+            </a:r>
+            <a:r>
+              <a:rPr lang="en-US" altLang="zh-CN" sz="2000" b="1" dirty="0" err="1">
+                <a:solidFill>
+                  <a:schemeClr val="folHlink"/>
+                </a:solidFill>
+                <a:latin typeface="Courier New" panose="02070309020205020404" pitchFamily="49" charset="0"/>
+              </a:rPr>
+              <a:t>stk</a:t>
+            </a:r>
+            <a:r>
+              <a:rPr lang="en-US" altLang="zh-CN" sz="2000" b="1" dirty="0">
+                <a:solidFill>
+                  <a:schemeClr val="folHlink"/>
+                </a:solidFill>
+                <a:latin typeface="Courier New" panose="02070309020205020404" pitchFamily="49" charset="0"/>
+              </a:rPr>
+              <a:t>-&gt;v))</a:t>
             </a:r>
           </a:p>
           <a:p>
@@ -5247,13 +5346,13 @@
               <a:buNone/>
             </a:pPr>
             <a:r>
-              <a:rPr lang="en-US" altLang="zh-CN" sz="2000" b="1">
+              <a:rPr lang="en-US" altLang="zh-CN" sz="2000" b="1" dirty="0">
                 <a:solidFill>
                   <a:schemeClr val="folHlink"/>
                 </a:solidFill>
                 <a:latin typeface="Courier New" panose="02070309020205020404" pitchFamily="49" charset="0"/>
               </a:rPr>
-              <a:t>  if (Array_isEmpty (stk-&gt;l))</a:t>
+              <a:t>    error(“empty stack”); </a:t>
             </a:r>
           </a:p>
           <a:p>
@@ -5265,13 +5364,49 @@
               <a:buNone/>
             </a:pPr>
             <a:r>
-              <a:rPr lang="en-US" altLang="zh-CN" sz="2000" b="1">
+              <a:rPr lang="en-US" altLang="zh-CN" sz="2000" b="1" dirty="0">
                 <a:solidFill>
                   <a:schemeClr val="folHlink"/>
                 </a:solidFill>
                 <a:latin typeface="Courier New" panose="02070309020205020404" pitchFamily="49" charset="0"/>
               </a:rPr>
-              <a:t>    error (“empty stack”); </a:t>
+              <a:t>	return </a:t>
+            </a:r>
+            <a:r>
+              <a:rPr lang="en-US" altLang="zh-CN" sz="2000" b="1" dirty="0" err="1">
+                <a:solidFill>
+                  <a:schemeClr val="folHlink"/>
+                </a:solidFill>
+                <a:latin typeface="Courier New" panose="02070309020205020404" pitchFamily="49" charset="0"/>
+              </a:rPr>
+              <a:t>Array_deleteLast</a:t>
+            </a:r>
+            <a:r>
+              <a:rPr lang="en-US" altLang="zh-CN" sz="2000" b="1" dirty="0">
+                <a:solidFill>
+                  <a:schemeClr val="folHlink"/>
+                </a:solidFill>
+                <a:latin typeface="Courier New" panose="02070309020205020404" pitchFamily="49" charset="0"/>
+              </a:rPr>
+              <a:t>(</a:t>
+            </a:r>
+            <a:r>
+              <a:rPr lang="en-US" altLang="zh-CN" sz="2000" b="1" dirty="0" err="1">
+                <a:solidFill>
+                  <a:schemeClr val="folHlink"/>
+                </a:solidFill>
+                <a:latin typeface="Courier New" panose="02070309020205020404" pitchFamily="49" charset="0"/>
+              </a:rPr>
+              <a:t>stk</a:t>
+            </a:r>
+            <a:r>
+              <a:rPr lang="en-US" altLang="zh-CN" sz="2000" b="1" dirty="0">
+                <a:solidFill>
+                  <a:schemeClr val="folHlink"/>
+                </a:solidFill>
+                <a:latin typeface="Courier New" panose="02070309020205020404" pitchFamily="49" charset="0"/>
+              </a:rPr>
+              <a:t>-&gt;v);</a:t>
             </a:r>
           </a:p>
           <a:p>
@@ -5283,13 +5418,13 @@
               <a:buNone/>
             </a:pPr>
             <a:r>
-              <a:rPr lang="en-US" altLang="zh-CN" sz="2000" b="1">
+              <a:rPr lang="en-US" altLang="zh-CN" sz="2000" b="1" dirty="0">
                 <a:solidFill>
                   <a:schemeClr val="folHlink"/>
                 </a:solidFill>
                 <a:latin typeface="Courier New" panose="02070309020205020404" pitchFamily="49" charset="0"/>
               </a:rPr>
-              <a:t>	return Array_deleteLast (stk-&gt;l);</a:t>
+              <a:t>}</a:t>
             </a:r>
           </a:p>
           <a:p>
@@ -5300,25 +5435,7 @@
               <a:buFont typeface="Wingdings" pitchFamily="2" charset="2"/>
               <a:buNone/>
             </a:pPr>
-            <a:r>
-              <a:rPr lang="en-US" altLang="zh-CN" sz="2000" b="1">
-                <a:solidFill>
-                  <a:schemeClr val="folHlink"/>
-                </a:solidFill>
-                <a:latin typeface="Courier New" panose="02070309020205020404" pitchFamily="49" charset="0"/>
-              </a:rPr>
-              <a:t>}</a:t>
-            </a:r>
-          </a:p>
-          <a:p>
-            <a:pPr>
-              <a:lnSpc>
-                <a:spcPct val="90000"/>
-              </a:lnSpc>
-              <a:buFont typeface="Wingdings" pitchFamily="2" charset="2"/>
-              <a:buNone/>
-            </a:pPr>
-            <a:endParaRPr lang="en-US" altLang="zh-CN" sz="2000">
+            <a:endParaRPr lang="en-US" altLang="zh-CN" sz="2000" dirty="0">
               <a:solidFill>
                 <a:schemeClr val="folHlink"/>
               </a:solidFill>
@@ -5962,8 +6079,8 @@
           <a:p>
             <a:pPr algn="ctr"/>
             <a:r>
-              <a:rPr lang="en-US" altLang="zh-CN" sz="2000"/>
-              <a:t>max</a:t>
+              <a:rPr lang="en-US" altLang="zh-CN" sz="2000" dirty="0"/>
+              <a:t>cap</a:t>
             </a:r>
           </a:p>
         </p:txBody>
@@ -6020,8 +6137,8 @@
           <a:p>
             <a:pPr algn="ctr"/>
             <a:r>
-              <a:rPr lang="en-US" altLang="zh-CN" sz="2000"/>
-              <a:t>tail</a:t>
+              <a:rPr lang="en-US" altLang="zh-CN" sz="2000" dirty="0"/>
+              <a:t>next</a:t>
             </a:r>
           </a:p>
         </p:txBody>
@@ -6260,8 +6377,8 @@
             <a:p>
               <a:pPr algn="ctr"/>
               <a:r>
-                <a:rPr lang="en-US" altLang="zh-CN" sz="2000"/>
-                <a:t>l</a:t>
+                <a:rPr lang="en-US" altLang="zh-CN" sz="2000" dirty="0"/>
+                <a:t>v</a:t>
               </a:r>
             </a:p>
           </p:txBody>
@@ -6566,8 +6683,8 @@
           <a:lstStyle/>
           <a:p>
             <a:r>
-              <a:rPr lang="en-US" altLang="zh-CN"/>
-              <a:t>Implementation Using Linked List</a:t>
+              <a:rPr lang="en-US" altLang="zh-CN" dirty="0"/>
+              <a:t>Implementation using Linked List</a:t>
             </a:r>
           </a:p>
         </p:txBody>
@@ -6598,10 +6715,22 @@
               <a:buNone/>
             </a:pPr>
             <a:r>
-              <a:rPr lang="en-US" altLang="zh-CN" sz="2000" b="1">
-                <a:latin typeface="Courier New" panose="02070309020205020404" pitchFamily="49" charset="0"/>
-              </a:rPr>
-              <a:t>// in file “linkedStack.c”</a:t>
+              <a:rPr lang="en-US" altLang="zh-CN" sz="2000" b="1" dirty="0">
+                <a:latin typeface="Courier New" panose="02070309020205020404" pitchFamily="49" charset="0"/>
+              </a:rPr>
+              <a:t>// in file “</a:t>
+            </a:r>
+            <a:r>
+              <a:rPr lang="en-US" altLang="zh-CN" sz="2000" b="1" dirty="0" err="1">
+                <a:latin typeface="Courier New" panose="02070309020205020404" pitchFamily="49" charset="0"/>
+              </a:rPr>
+              <a:t>stack.c</a:t>
+            </a:r>
+            <a:r>
+              <a:rPr lang="en-US" altLang="zh-CN" sz="2000" b="1" dirty="0">
+                <a:latin typeface="Courier New" panose="02070309020205020404" pitchFamily="49" charset="0"/>
+              </a:rPr>
+              <a:t>”</a:t>
             </a:r>
           </a:p>
           <a:p>
@@ -6610,13 +6739,31 @@
               <a:buNone/>
             </a:pPr>
             <a:r>
-              <a:rPr lang="en-US" altLang="zh-CN" sz="2000" b="1">
+              <a:rPr lang="en-US" altLang="zh-CN" sz="2000" b="1" dirty="0">
                 <a:solidFill>
                   <a:schemeClr val="folHlink"/>
                 </a:solidFill>
                 <a:latin typeface="Courier New" panose="02070309020205020404" pitchFamily="49" charset="0"/>
               </a:rPr>
-              <a:t>#include “linkedList.h”</a:t>
+              <a:t>#include “linked-</a:t>
+            </a:r>
+            <a:r>
+              <a:rPr lang="en-US" altLang="zh-CN" sz="2000" b="1" dirty="0" err="1">
+                <a:solidFill>
+                  <a:schemeClr val="folHlink"/>
+                </a:solidFill>
+                <a:latin typeface="Courier New" panose="02070309020205020404" pitchFamily="49" charset="0"/>
+              </a:rPr>
+              <a:t>list.h</a:t>
+            </a:r>
+            <a:r>
+              <a:rPr lang="en-US" altLang="zh-CN" sz="2000" b="1" dirty="0">
+                <a:solidFill>
+                  <a:schemeClr val="folHlink"/>
+                </a:solidFill>
+                <a:latin typeface="Courier New" panose="02070309020205020404" pitchFamily="49" charset="0"/>
+              </a:rPr>
+              <a:t>”</a:t>
             </a:r>
           </a:p>
           <a:p>
@@ -6624,7 +6771,7 @@
               <a:buFont typeface="Wingdings" pitchFamily="2" charset="2"/>
               <a:buNone/>
             </a:pPr>
-            <a:endParaRPr lang="en-US" altLang="zh-CN" sz="2000" b="1">
+            <a:endParaRPr lang="en-US" altLang="zh-CN" sz="2000" b="1" dirty="0">
               <a:solidFill>
                 <a:schemeClr val="folHlink"/>
               </a:solidFill>
@@ -6637,13 +6784,31 @@
               <a:buNone/>
             </a:pPr>
             <a:r>
-              <a:rPr lang="en-US" altLang="zh-CN" sz="2000" b="1">
+              <a:rPr lang="en-US" altLang="zh-CN" sz="2000" b="1" dirty="0">
                 <a:solidFill>
                   <a:schemeClr val="folHlink"/>
                 </a:solidFill>
                 <a:latin typeface="Courier New" panose="02070309020205020404" pitchFamily="49" charset="0"/>
               </a:rPr>
-              <a:t>struct Stack_t</a:t>
+              <a:t>struct </a:t>
+            </a:r>
+            <a:r>
+              <a:rPr lang="en-US" altLang="zh-CN" sz="2000" b="1" dirty="0" err="1">
+                <a:solidFill>
+                  <a:schemeClr val="folHlink"/>
+                </a:solidFill>
+                <a:latin typeface="Courier New" panose="02070309020205020404" pitchFamily="49" charset="0"/>
+              </a:rPr>
+              <a:t>Stack_t</a:t>
+            </a:r>
+            <a:r>
+              <a:rPr lang="en-US" altLang="zh-CN" sz="2000" b="1" dirty="0">
+                <a:solidFill>
+                  <a:schemeClr val="folHlink"/>
+                </a:solidFill>
+                <a:latin typeface="Courier New" panose="02070309020205020404" pitchFamily="49" charset="0"/>
+              </a:rPr>
+              <a:t>{</a:t>
             </a:r>
           </a:p>
           <a:p>
@@ -6652,13 +6817,31 @@
               <a:buNone/>
             </a:pPr>
             <a:r>
-              <a:rPr lang="en-US" altLang="zh-CN" sz="2000" b="1">
+              <a:rPr lang="en-US" altLang="zh-CN" sz="2000" b="1" dirty="0">
                 <a:solidFill>
                   <a:schemeClr val="folHlink"/>
                 </a:solidFill>
                 <a:latin typeface="Courier New" panose="02070309020205020404" pitchFamily="49" charset="0"/>
               </a:rPr>
-              <a:t>{</a:t>
+              <a:t>  </a:t>
+            </a:r>
+            <a:r>
+              <a:rPr lang="en-US" altLang="zh-CN" sz="2000" b="1" dirty="0" err="1">
+                <a:solidFill>
+                  <a:schemeClr val="folHlink"/>
+                </a:solidFill>
+                <a:latin typeface="Courier New" panose="02070309020205020404" pitchFamily="49" charset="0"/>
+              </a:rPr>
+              <a:t>LinkedList_t</a:t>
+            </a:r>
+            <a:r>
+              <a:rPr lang="en-US" altLang="zh-CN" sz="2000" b="1" dirty="0">
+                <a:solidFill>
+                  <a:schemeClr val="folHlink"/>
+                </a:solidFill>
+                <a:latin typeface="Courier New" panose="02070309020205020404" pitchFamily="49" charset="0"/>
+              </a:rPr>
+              <a:t> l;</a:t>
             </a:r>
           </a:p>
           <a:p>
@@ -6667,13 +6850,13 @@
               <a:buNone/>
             </a:pPr>
             <a:r>
-              <a:rPr lang="en-US" altLang="zh-CN" sz="2000" b="1">
+              <a:rPr lang="en-US" altLang="zh-CN" sz="2000" b="1" dirty="0">
                 <a:solidFill>
                   <a:schemeClr val="folHlink"/>
                 </a:solidFill>
                 <a:latin typeface="Courier New" panose="02070309020205020404" pitchFamily="49" charset="0"/>
               </a:rPr>
-              <a:t>  List_t l;</a:t>
+              <a:t>};</a:t>
             </a:r>
           </a:p>
           <a:p>
@@ -6681,22 +6864,7 @@
               <a:buFont typeface="Wingdings" pitchFamily="2" charset="2"/>
               <a:buNone/>
             </a:pPr>
-            <a:r>
-              <a:rPr lang="en-US" altLang="zh-CN" sz="2000" b="1">
-                <a:solidFill>
-                  <a:schemeClr val="folHlink"/>
-                </a:solidFill>
-                <a:latin typeface="Courier New" panose="02070309020205020404" pitchFamily="49" charset="0"/>
-              </a:rPr>
-              <a:t>};</a:t>
-            </a:r>
-          </a:p>
-          <a:p>
-            <a:pPr>
-              <a:buFont typeface="Wingdings" pitchFamily="2" charset="2"/>
-              <a:buNone/>
-            </a:pPr>
-            <a:endParaRPr lang="en-US" altLang="zh-CN" sz="2000" b="1">
+            <a:endParaRPr lang="en-US" altLang="zh-CN" sz="2000" b="1" dirty="0">
               <a:latin typeface="Courier New" panose="02070309020205020404" pitchFamily="49" charset="0"/>
             </a:endParaRPr>
           </a:p>
@@ -7153,13 +7321,40 @@
               <a:buNone/>
             </a:pPr>
             <a:r>
-              <a:rPr lang="en-US" altLang="zh-CN" sz="2000" b="1">
-                <a:solidFill>
-                  <a:schemeClr val="folHlink"/>
-                </a:solidFill>
-                <a:latin typeface="Courier New" panose="02070309020205020404" pitchFamily="49" charset="0"/>
-              </a:rPr>
-              <a:t>Stack_t Stack_new ()</a:t>
+              <a:rPr lang="en-US" altLang="zh-CN" sz="2000" b="1" dirty="0" err="1">
+                <a:solidFill>
+                  <a:srgbClr val="0432FF"/>
+                </a:solidFill>
+                <a:latin typeface="Courier New" panose="02070309020205020404" pitchFamily="49" charset="0"/>
+              </a:rPr>
+              <a:t>Stack_t</a:t>
+            </a:r>
+            <a:r>
+              <a:rPr lang="en-US" altLang="zh-CN" sz="2000" b="1" dirty="0">
+                <a:solidFill>
+                  <a:srgbClr val="0432FF"/>
+                </a:solidFill>
+                <a:latin typeface="Courier New" panose="02070309020205020404" pitchFamily="49" charset="0"/>
+              </a:rPr>
+              <a:t> </a:t>
+            </a:r>
+            <a:r>
+              <a:rPr lang="en-US" altLang="zh-CN" sz="2000" b="1" dirty="0" err="1">
+                <a:solidFill>
+                  <a:srgbClr val="0432FF"/>
+                </a:solidFill>
+                <a:latin typeface="Courier New" panose="02070309020205020404" pitchFamily="49" charset="0"/>
+              </a:rPr>
+              <a:t>Stack_new</a:t>
+            </a:r>
+            <a:r>
+              <a:rPr lang="en-US" altLang="zh-CN" sz="2000" b="1" dirty="0">
+                <a:solidFill>
+                  <a:srgbClr val="0432FF"/>
+                </a:solidFill>
+                <a:latin typeface="Courier New" panose="02070309020205020404" pitchFamily="49" charset="0"/>
+              </a:rPr>
+              <a:t>(){</a:t>
             </a:r>
           </a:p>
           <a:p>
@@ -7171,13 +7366,103 @@
               <a:buNone/>
             </a:pPr>
             <a:r>
-              <a:rPr lang="en-US" altLang="zh-CN" sz="2000" b="1">
-                <a:solidFill>
-                  <a:schemeClr val="folHlink"/>
-                </a:solidFill>
-                <a:latin typeface="Courier New" panose="02070309020205020404" pitchFamily="49" charset="0"/>
-              </a:rPr>
-              <a:t>{</a:t>
+              <a:rPr lang="en-US" altLang="zh-CN" sz="2000" b="1" dirty="0">
+                <a:solidFill>
+                  <a:srgbClr val="0432FF"/>
+                </a:solidFill>
+                <a:latin typeface="Courier New" panose="02070309020205020404" pitchFamily="49" charset="0"/>
+              </a:rPr>
+              <a:t>  </a:t>
+            </a:r>
+            <a:r>
+              <a:rPr lang="en-US" altLang="zh-CN" sz="2000" b="1" dirty="0" err="1">
+                <a:solidFill>
+                  <a:srgbClr val="0432FF"/>
+                </a:solidFill>
+                <a:latin typeface="Courier New" panose="02070309020205020404" pitchFamily="49" charset="0"/>
+              </a:rPr>
+              <a:t>Stack_t</a:t>
+            </a:r>
+            <a:r>
+              <a:rPr lang="en-US" altLang="zh-CN" sz="2000" b="1" dirty="0">
+                <a:solidFill>
+                  <a:srgbClr val="0432FF"/>
+                </a:solidFill>
+                <a:latin typeface="Courier New" panose="02070309020205020404" pitchFamily="49" charset="0"/>
+              </a:rPr>
+              <a:t> </a:t>
+            </a:r>
+            <a:r>
+              <a:rPr lang="en-US" altLang="zh-CN" sz="2000" b="1" dirty="0" err="1">
+                <a:solidFill>
+                  <a:srgbClr val="0432FF"/>
+                </a:solidFill>
+                <a:latin typeface="Courier New" panose="02070309020205020404" pitchFamily="49" charset="0"/>
+              </a:rPr>
+              <a:t>stk</a:t>
+            </a:r>
+            <a:r>
+              <a:rPr lang="en-US" altLang="zh-CN" sz="2000" b="1" dirty="0">
+                <a:solidFill>
+                  <a:srgbClr val="0432FF"/>
+                </a:solidFill>
+                <a:latin typeface="Courier New" panose="02070309020205020404" pitchFamily="49" charset="0"/>
+              </a:rPr>
+              <a:t> = </a:t>
+            </a:r>
+            <a:r>
+              <a:rPr lang="en-US" altLang="zh-CN" sz="2000" b="1" dirty="0" err="1">
+                <a:solidFill>
+                  <a:srgbClr val="0432FF"/>
+                </a:solidFill>
+                <a:latin typeface="Courier New" panose="02070309020205020404" pitchFamily="49" charset="0"/>
+              </a:rPr>
+              <a:t>calloc</a:t>
+            </a:r>
+            <a:r>
+              <a:rPr lang="en-US" altLang="zh-CN" sz="2000" b="1" dirty="0">
+                <a:solidFill>
+                  <a:srgbClr val="0432FF"/>
+                </a:solidFill>
+                <a:latin typeface="Courier New" panose="02070309020205020404" pitchFamily="49" charset="0"/>
+              </a:rPr>
+              <a:t>(1, </a:t>
+            </a:r>
+            <a:r>
+              <a:rPr lang="en-US" altLang="zh-CN" sz="2000" b="1" dirty="0" err="1">
+                <a:solidFill>
+                  <a:srgbClr val="0432FF"/>
+                </a:solidFill>
+                <a:latin typeface="Courier New" panose="02070309020205020404" pitchFamily="49" charset="0"/>
+              </a:rPr>
+              <a:t>sizeof</a:t>
+            </a:r>
+            <a:r>
+              <a:rPr lang="en-US" altLang="zh-CN" sz="2000" b="1" dirty="0">
+                <a:solidFill>
+                  <a:srgbClr val="0432FF"/>
+                </a:solidFill>
+                <a:latin typeface="Courier New" panose="02070309020205020404" pitchFamily="49" charset="0"/>
+              </a:rPr>
+              <a:t>(*</a:t>
+            </a:r>
+            <a:r>
+              <a:rPr lang="en-US" altLang="zh-CN" sz="2000" b="1" dirty="0" err="1">
+                <a:solidFill>
+                  <a:srgbClr val="0432FF"/>
+                </a:solidFill>
+                <a:latin typeface="Courier New" panose="02070309020205020404" pitchFamily="49" charset="0"/>
+              </a:rPr>
+              <a:t>stk</a:t>
+            </a:r>
+            <a:r>
+              <a:rPr lang="en-US" altLang="zh-CN" sz="2000" b="1" dirty="0">
+                <a:solidFill>
+                  <a:srgbClr val="0432FF"/>
+                </a:solidFill>
+                <a:latin typeface="Courier New" panose="02070309020205020404" pitchFamily="49" charset="0"/>
+              </a:rPr>
+              <a:t>));</a:t>
             </a:r>
           </a:p>
           <a:p>
@@ -7189,13 +7474,49 @@
               <a:buNone/>
             </a:pPr>
             <a:r>
-              <a:rPr lang="en-US" altLang="zh-CN" sz="2000" b="1">
-                <a:solidFill>
-                  <a:schemeClr val="folHlink"/>
-                </a:solidFill>
-                <a:latin typeface="Courier New" panose="02070309020205020404" pitchFamily="49" charset="0"/>
-              </a:rPr>
-              <a:t>  Stack_t stk = malloc (sizeof (*stk));</a:t>
+              <a:rPr lang="en-US" altLang="zh-CN" sz="2000" b="1" dirty="0">
+                <a:solidFill>
+                  <a:srgbClr val="0432FF"/>
+                </a:solidFill>
+                <a:latin typeface="Courier New" panose="02070309020205020404" pitchFamily="49" charset="0"/>
+              </a:rPr>
+              <a:t>  </a:t>
+            </a:r>
+            <a:r>
+              <a:rPr lang="en-US" altLang="zh-CN" sz="2000" b="1" dirty="0" err="1">
+                <a:solidFill>
+                  <a:srgbClr val="0432FF"/>
+                </a:solidFill>
+                <a:latin typeface="Courier New" panose="02070309020205020404" pitchFamily="49" charset="0"/>
+              </a:rPr>
+              <a:t>stk</a:t>
+            </a:r>
+            <a:r>
+              <a:rPr lang="en-US" altLang="zh-CN" sz="2000" b="1" dirty="0">
+                <a:solidFill>
+                  <a:srgbClr val="0432FF"/>
+                </a:solidFill>
+                <a:latin typeface="Courier New" panose="02070309020205020404" pitchFamily="49" charset="0"/>
+              </a:rPr>
+              <a:t>-&gt;l = </a:t>
+            </a:r>
+            <a:r>
+              <a:rPr lang="en-US" altLang="zh-CN" sz="2000" b="1" dirty="0" err="1">
+                <a:solidFill>
+                  <a:srgbClr val="0432FF"/>
+                </a:solidFill>
+                <a:latin typeface="Courier New" panose="02070309020205020404" pitchFamily="49" charset="0"/>
+              </a:rPr>
+              <a:t>LinkedList_new</a:t>
+            </a:r>
+            <a:r>
+              <a:rPr lang="en-US" altLang="zh-CN" sz="2000" b="1" dirty="0">
+                <a:solidFill>
+                  <a:srgbClr val="0432FF"/>
+                </a:solidFill>
+                <a:latin typeface="Courier New" panose="02070309020205020404" pitchFamily="49" charset="0"/>
+              </a:rPr>
+              <a:t>();</a:t>
             </a:r>
           </a:p>
           <a:p>
@@ -7206,15 +7527,12 @@
               <a:buFont typeface="Wingdings" pitchFamily="2" charset="2"/>
               <a:buNone/>
             </a:pPr>
-            <a:r>
-              <a:rPr lang="en-US" altLang="zh-CN" sz="2000" b="1">
-                <a:solidFill>
-                  <a:schemeClr val="folHlink"/>
-                </a:solidFill>
-                <a:latin typeface="Courier New" panose="02070309020205020404" pitchFamily="49" charset="0"/>
-              </a:rPr>
-              <a:t>  stk-&gt;l = LinkedList_new ();</a:t>
-            </a:r>
+            <a:endParaRPr lang="en-US" altLang="zh-CN" sz="2000" b="1" dirty="0">
+              <a:solidFill>
+                <a:srgbClr val="0432FF"/>
+              </a:solidFill>
+              <a:latin typeface="Courier New" panose="02070309020205020404" pitchFamily="49" charset="0"/>
+            </a:endParaRPr>
           </a:p>
           <a:p>
             <a:pPr>
@@ -7224,12 +7542,33 @@
               <a:buFont typeface="Wingdings" pitchFamily="2" charset="2"/>
               <a:buNone/>
             </a:pPr>
-            <a:endParaRPr lang="en-US" altLang="zh-CN" sz="2000" b="1">
-              <a:solidFill>
-                <a:schemeClr val="folHlink"/>
-              </a:solidFill>
-              <a:latin typeface="Courier New" panose="02070309020205020404" pitchFamily="49" charset="0"/>
-            </a:endParaRPr>
+            <a:r>
+              <a:rPr lang="en-US" altLang="zh-CN" sz="2000" b="1" dirty="0">
+                <a:solidFill>
+                  <a:srgbClr val="0432FF"/>
+                </a:solidFill>
+                <a:latin typeface="Courier New" panose="02070309020205020404" pitchFamily="49" charset="0"/>
+              </a:rPr>
+              <a:t>  return </a:t>
+            </a:r>
+            <a:r>
+              <a:rPr lang="en-US" altLang="zh-CN" sz="2000" b="1" dirty="0" err="1">
+                <a:solidFill>
+                  <a:srgbClr val="0432FF"/>
+                </a:solidFill>
+                <a:latin typeface="Courier New" panose="02070309020205020404" pitchFamily="49" charset="0"/>
+              </a:rPr>
+              <a:t>stk</a:t>
+            </a:r>
+            <a:r>
+              <a:rPr lang="en-US" altLang="zh-CN" sz="2000" b="1" dirty="0">
+                <a:solidFill>
+                  <a:srgbClr val="0432FF"/>
+                </a:solidFill>
+                <a:latin typeface="Courier New" panose="02070309020205020404" pitchFamily="49" charset="0"/>
+              </a:rPr>
+              <a:t>;</a:t>
+            </a:r>
           </a:p>
           <a:p>
             <a:pPr>
@@ -7240,27 +7579,9 @@
               <a:buNone/>
             </a:pPr>
             <a:r>
-              <a:rPr lang="en-US" altLang="zh-CN" sz="2000" b="1">
-                <a:solidFill>
-                  <a:schemeClr val="folHlink"/>
-                </a:solidFill>
-                <a:latin typeface="Courier New" panose="02070309020205020404" pitchFamily="49" charset="0"/>
-              </a:rPr>
-              <a:t>  return stk;</a:t>
-            </a:r>
-          </a:p>
-          <a:p>
-            <a:pPr>
-              <a:lnSpc>
-                <a:spcPct val="80000"/>
-              </a:lnSpc>
-              <a:buFont typeface="Wingdings" pitchFamily="2" charset="2"/>
-              <a:buNone/>
-            </a:pPr>
-            <a:r>
-              <a:rPr lang="en-US" altLang="zh-CN" sz="2000" b="1">
-                <a:solidFill>
-                  <a:schemeClr val="folHlink"/>
+              <a:rPr lang="en-US" altLang="zh-CN" sz="2000" b="1" dirty="0">
+                <a:solidFill>
+                  <a:srgbClr val="0432FF"/>
                 </a:solidFill>
                 <a:latin typeface="Courier New" panose="02070309020205020404" pitchFamily="49" charset="0"/>
               </a:rPr>
@@ -7776,13 +8097,67 @@
               <a:buNone/>
             </a:pPr>
             <a:r>
-              <a:rPr lang="en-US" altLang="zh-CN" sz="2000" b="1">
-                <a:solidFill>
-                  <a:schemeClr val="folHlink"/>
-                </a:solidFill>
-                <a:latin typeface="Courier New" panose="02070309020205020404" pitchFamily="49" charset="0"/>
-              </a:rPr>
-              <a:t>int Stack_size (Stack_t stk)</a:t>
+              <a:rPr lang="en-US" altLang="zh-CN" sz="2000" b="1" dirty="0">
+                <a:solidFill>
+                  <a:srgbClr val="0432FF"/>
+                </a:solidFill>
+                <a:latin typeface="Courier New" panose="02070309020205020404" pitchFamily="49" charset="0"/>
+              </a:rPr>
+              <a:t>int </a:t>
+            </a:r>
+            <a:r>
+              <a:rPr lang="en-US" altLang="zh-CN" sz="2000" b="1" dirty="0" err="1">
+                <a:solidFill>
+                  <a:srgbClr val="0432FF"/>
+                </a:solidFill>
+                <a:latin typeface="Courier New" panose="02070309020205020404" pitchFamily="49" charset="0"/>
+              </a:rPr>
+              <a:t>Stack_size</a:t>
+            </a:r>
+            <a:r>
+              <a:rPr lang="en-US" altLang="zh-CN" sz="2000" b="1" dirty="0">
+                <a:solidFill>
+                  <a:srgbClr val="0432FF"/>
+                </a:solidFill>
+                <a:latin typeface="Courier New" panose="02070309020205020404" pitchFamily="49" charset="0"/>
+              </a:rPr>
+              <a:t>(</a:t>
+            </a:r>
+            <a:r>
+              <a:rPr lang="en-US" altLang="zh-CN" sz="2000" b="1" dirty="0" err="1">
+                <a:solidFill>
+                  <a:srgbClr val="0432FF"/>
+                </a:solidFill>
+                <a:latin typeface="Courier New" panose="02070309020205020404" pitchFamily="49" charset="0"/>
+              </a:rPr>
+              <a:t>Stack_t</a:t>
+            </a:r>
+            <a:r>
+              <a:rPr lang="en-US" altLang="zh-CN" sz="2000" b="1" dirty="0">
+                <a:solidFill>
+                  <a:srgbClr val="0432FF"/>
+                </a:solidFill>
+                <a:latin typeface="Courier New" panose="02070309020205020404" pitchFamily="49" charset="0"/>
+              </a:rPr>
+              <a:t> </a:t>
+            </a:r>
+            <a:r>
+              <a:rPr lang="en-US" altLang="zh-CN" sz="2000" b="1" dirty="0" err="1">
+                <a:solidFill>
+                  <a:srgbClr val="0432FF"/>
+                </a:solidFill>
+                <a:latin typeface="Courier New" panose="02070309020205020404" pitchFamily="49" charset="0"/>
+              </a:rPr>
+              <a:t>stk</a:t>
+            </a:r>
+            <a:r>
+              <a:rPr lang="en-US" altLang="zh-CN" sz="2000" b="1" dirty="0">
+                <a:solidFill>
+                  <a:srgbClr val="0432FF"/>
+                </a:solidFill>
+                <a:latin typeface="Courier New" panose="02070309020205020404" pitchFamily="49" charset="0"/>
+              </a:rPr>
+              <a:t>){</a:t>
             </a:r>
           </a:p>
           <a:p>
@@ -7794,13 +8169,49 @@
               <a:buNone/>
             </a:pPr>
             <a:r>
-              <a:rPr lang="en-US" altLang="zh-CN" sz="2000" b="1">
-                <a:solidFill>
-                  <a:schemeClr val="folHlink"/>
-                </a:solidFill>
-                <a:latin typeface="Courier New" panose="02070309020205020404" pitchFamily="49" charset="0"/>
-              </a:rPr>
-              <a:t>{</a:t>
+              <a:rPr lang="en-US" altLang="zh-CN" sz="2000" b="1" dirty="0">
+                <a:solidFill>
+                  <a:srgbClr val="0432FF"/>
+                </a:solidFill>
+                <a:latin typeface="Courier New" panose="02070309020205020404" pitchFamily="49" charset="0"/>
+              </a:rPr>
+              <a:t>  return </a:t>
+            </a:r>
+            <a:r>
+              <a:rPr lang="en-US" altLang="zh-CN" sz="2000" b="1" dirty="0" err="1">
+                <a:solidFill>
+                  <a:srgbClr val="0432FF"/>
+                </a:solidFill>
+                <a:latin typeface="Courier New" panose="02070309020205020404" pitchFamily="49" charset="0"/>
+              </a:rPr>
+              <a:t>LinkedList_length</a:t>
+            </a:r>
+            <a:r>
+              <a:rPr lang="en-US" altLang="zh-CN" sz="2000" b="1" dirty="0">
+                <a:solidFill>
+                  <a:srgbClr val="0432FF"/>
+                </a:solidFill>
+                <a:latin typeface="Courier New" panose="02070309020205020404" pitchFamily="49" charset="0"/>
+              </a:rPr>
+              <a:t>(</a:t>
+            </a:r>
+            <a:r>
+              <a:rPr lang="en-US" altLang="zh-CN" sz="2000" b="1" dirty="0" err="1">
+                <a:solidFill>
+                  <a:srgbClr val="0432FF"/>
+                </a:solidFill>
+                <a:latin typeface="Courier New" panose="02070309020205020404" pitchFamily="49" charset="0"/>
+              </a:rPr>
+              <a:t>stk</a:t>
+            </a:r>
+            <a:r>
+              <a:rPr lang="en-US" altLang="zh-CN" sz="2000" b="1" dirty="0">
+                <a:solidFill>
+                  <a:srgbClr val="0432FF"/>
+                </a:solidFill>
+                <a:latin typeface="Courier New" panose="02070309020205020404" pitchFamily="49" charset="0"/>
+              </a:rPr>
+              <a:t>-&gt;l);</a:t>
             </a:r>
           </a:p>
           <a:p>
@@ -7812,27 +8223,9 @@
               <a:buNone/>
             </a:pPr>
             <a:r>
-              <a:rPr lang="en-US" altLang="zh-CN" sz="2000" b="1">
-                <a:solidFill>
-                  <a:schemeClr val="folHlink"/>
-                </a:solidFill>
-                <a:latin typeface="Courier New" panose="02070309020205020404" pitchFamily="49" charset="0"/>
-              </a:rPr>
-              <a:t>  return LinkedList_length (stk-&gt;l);</a:t>
-            </a:r>
-          </a:p>
-          <a:p>
-            <a:pPr>
-              <a:lnSpc>
-                <a:spcPct val="80000"/>
-              </a:lnSpc>
-              <a:buFont typeface="Wingdings" pitchFamily="2" charset="2"/>
-              <a:buNone/>
-            </a:pPr>
-            <a:r>
-              <a:rPr lang="en-US" altLang="zh-CN" sz="2000" b="1">
-                <a:solidFill>
-                  <a:schemeClr val="folHlink"/>
+              <a:rPr lang="en-US" altLang="zh-CN" sz="2000" b="1" dirty="0">
+                <a:solidFill>
+                  <a:srgbClr val="0432FF"/>
                 </a:solidFill>
                 <a:latin typeface="Courier New" panose="02070309020205020404" pitchFamily="49" charset="0"/>
               </a:rPr>
@@ -9044,13 +9437,67 @@
               <a:buNone/>
             </a:pPr>
             <a:r>
-              <a:rPr lang="en-US" altLang="zh-CN" sz="2000" b="1">
-                <a:solidFill>
-                  <a:schemeClr val="folHlink"/>
-                </a:solidFill>
-                <a:latin typeface="Courier New" panose="02070309020205020404" pitchFamily="49" charset="0"/>
-              </a:rPr>
-              <a:t>int Stack_isEmpty (Stack_t stk)</a:t>
+              <a:rPr lang="en-US" altLang="zh-CN" sz="2000" b="1" dirty="0">
+                <a:solidFill>
+                  <a:srgbClr val="0432FF"/>
+                </a:solidFill>
+                <a:latin typeface="Courier New" panose="02070309020205020404" pitchFamily="49" charset="0"/>
+              </a:rPr>
+              <a:t>int </a:t>
+            </a:r>
+            <a:r>
+              <a:rPr lang="en-US" altLang="zh-CN" sz="2000" b="1" dirty="0" err="1">
+                <a:solidFill>
+                  <a:srgbClr val="0432FF"/>
+                </a:solidFill>
+                <a:latin typeface="Courier New" panose="02070309020205020404" pitchFamily="49" charset="0"/>
+              </a:rPr>
+              <a:t>Stack_isEmpty</a:t>
+            </a:r>
+            <a:r>
+              <a:rPr lang="en-US" altLang="zh-CN" sz="2000" b="1" dirty="0">
+                <a:solidFill>
+                  <a:srgbClr val="0432FF"/>
+                </a:solidFill>
+                <a:latin typeface="Courier New" panose="02070309020205020404" pitchFamily="49" charset="0"/>
+              </a:rPr>
+              <a:t>(</a:t>
+            </a:r>
+            <a:r>
+              <a:rPr lang="en-US" altLang="zh-CN" sz="2000" b="1" dirty="0" err="1">
+                <a:solidFill>
+                  <a:srgbClr val="0432FF"/>
+                </a:solidFill>
+                <a:latin typeface="Courier New" panose="02070309020205020404" pitchFamily="49" charset="0"/>
+              </a:rPr>
+              <a:t>Stack_t</a:t>
+            </a:r>
+            <a:r>
+              <a:rPr lang="en-US" altLang="zh-CN" sz="2000" b="1" dirty="0">
+                <a:solidFill>
+                  <a:srgbClr val="0432FF"/>
+                </a:solidFill>
+                <a:latin typeface="Courier New" panose="02070309020205020404" pitchFamily="49" charset="0"/>
+              </a:rPr>
+              <a:t> </a:t>
+            </a:r>
+            <a:r>
+              <a:rPr lang="en-US" altLang="zh-CN" sz="2000" b="1" dirty="0" err="1">
+                <a:solidFill>
+                  <a:srgbClr val="0432FF"/>
+                </a:solidFill>
+                <a:latin typeface="Courier New" panose="02070309020205020404" pitchFamily="49" charset="0"/>
+              </a:rPr>
+              <a:t>stk</a:t>
+            </a:r>
+            <a:r>
+              <a:rPr lang="en-US" altLang="zh-CN" sz="2000" b="1" dirty="0">
+                <a:solidFill>
+                  <a:srgbClr val="0432FF"/>
+                </a:solidFill>
+                <a:latin typeface="Courier New" panose="02070309020205020404" pitchFamily="49" charset="0"/>
+              </a:rPr>
+              <a:t>){</a:t>
             </a:r>
           </a:p>
           <a:p>
@@ -9062,13 +9509,49 @@
               <a:buNone/>
             </a:pPr>
             <a:r>
-              <a:rPr lang="en-US" altLang="zh-CN" sz="2000" b="1">
-                <a:solidFill>
-                  <a:schemeClr val="folHlink"/>
-                </a:solidFill>
-                <a:latin typeface="Courier New" panose="02070309020205020404" pitchFamily="49" charset="0"/>
-              </a:rPr>
-              <a:t>{</a:t>
+              <a:rPr lang="en-US" altLang="zh-CN" sz="2000" b="1" dirty="0">
+                <a:solidFill>
+                  <a:srgbClr val="0432FF"/>
+                </a:solidFill>
+                <a:latin typeface="Courier New" panose="02070309020205020404" pitchFamily="49" charset="0"/>
+              </a:rPr>
+              <a:t>  return </a:t>
+            </a:r>
+            <a:r>
+              <a:rPr lang="en-US" altLang="zh-CN" sz="2000" b="1" dirty="0" err="1">
+                <a:solidFill>
+                  <a:srgbClr val="0432FF"/>
+                </a:solidFill>
+                <a:latin typeface="Courier New" panose="02070309020205020404" pitchFamily="49" charset="0"/>
+              </a:rPr>
+              <a:t>LinkedList_isEmpty</a:t>
+            </a:r>
+            <a:r>
+              <a:rPr lang="en-US" altLang="zh-CN" sz="2000" b="1" dirty="0">
+                <a:solidFill>
+                  <a:srgbClr val="0432FF"/>
+                </a:solidFill>
+                <a:latin typeface="Courier New" panose="02070309020205020404" pitchFamily="49" charset="0"/>
+              </a:rPr>
+              <a:t>(</a:t>
+            </a:r>
+            <a:r>
+              <a:rPr lang="en-US" altLang="zh-CN" sz="2000" b="1" dirty="0" err="1">
+                <a:solidFill>
+                  <a:srgbClr val="0432FF"/>
+                </a:solidFill>
+                <a:latin typeface="Courier New" panose="02070309020205020404" pitchFamily="49" charset="0"/>
+              </a:rPr>
+              <a:t>stk</a:t>
+            </a:r>
+            <a:r>
+              <a:rPr lang="en-US" altLang="zh-CN" sz="2000" b="1" dirty="0">
+                <a:solidFill>
+                  <a:srgbClr val="0432FF"/>
+                </a:solidFill>
+                <a:latin typeface="Courier New" panose="02070309020205020404" pitchFamily="49" charset="0"/>
+              </a:rPr>
+              <a:t>-&gt;l);</a:t>
             </a:r>
           </a:p>
           <a:p>
@@ -9080,27 +9563,9 @@
               <a:buNone/>
             </a:pPr>
             <a:r>
-              <a:rPr lang="en-US" altLang="zh-CN" sz="2000" b="1">
-                <a:solidFill>
-                  <a:schemeClr val="folHlink"/>
-                </a:solidFill>
-                <a:latin typeface="Courier New" panose="02070309020205020404" pitchFamily="49" charset="0"/>
-              </a:rPr>
-              <a:t>  return LinkedList_isEmpty (stk-&gt;l);</a:t>
-            </a:r>
-          </a:p>
-          <a:p>
-            <a:pPr>
-              <a:lnSpc>
-                <a:spcPct val="80000"/>
-              </a:lnSpc>
-              <a:buFont typeface="Wingdings" pitchFamily="2" charset="2"/>
-              <a:buNone/>
-            </a:pPr>
-            <a:r>
-              <a:rPr lang="en-US" altLang="zh-CN" sz="2000" b="1">
-                <a:solidFill>
-                  <a:schemeClr val="folHlink"/>
+              <a:rPr lang="en-US" altLang="zh-CN" sz="2000" b="1" dirty="0">
+                <a:solidFill>
+                  <a:srgbClr val="0432FF"/>
                 </a:solidFill>
                 <a:latin typeface="Courier New" panose="02070309020205020404" pitchFamily="49" charset="0"/>
               </a:rPr>
@@ -10312,13 +10777,85 @@
               <a:buNone/>
             </a:pPr>
             <a:r>
-              <a:rPr lang="en-US" altLang="zh-CN" sz="2000" b="1">
-                <a:solidFill>
-                  <a:schemeClr val="folHlink"/>
-                </a:solidFill>
-                <a:latin typeface="Courier New" panose="02070309020205020404" pitchFamily="49" charset="0"/>
-              </a:rPr>
-              <a:t>void Stack_push (Stack_t stk, poly x)</a:t>
+              <a:rPr lang="en-US" altLang="zh-CN" sz="2000" b="1" dirty="0">
+                <a:solidFill>
+                  <a:srgbClr val="0432FF"/>
+                </a:solidFill>
+                <a:latin typeface="Courier New" panose="02070309020205020404" pitchFamily="49" charset="0"/>
+              </a:rPr>
+              <a:t>void </a:t>
+            </a:r>
+            <a:r>
+              <a:rPr lang="en-US" altLang="zh-CN" sz="2000" b="1" dirty="0" err="1">
+                <a:solidFill>
+                  <a:srgbClr val="0432FF"/>
+                </a:solidFill>
+                <a:latin typeface="Courier New" panose="02070309020205020404" pitchFamily="49" charset="0"/>
+              </a:rPr>
+              <a:t>Stack_push</a:t>
+            </a:r>
+            <a:r>
+              <a:rPr lang="en-US" altLang="zh-CN" sz="2000" b="1" dirty="0">
+                <a:solidFill>
+                  <a:srgbClr val="0432FF"/>
+                </a:solidFill>
+                <a:latin typeface="Courier New" panose="02070309020205020404" pitchFamily="49" charset="0"/>
+              </a:rPr>
+              <a:t>(</a:t>
+            </a:r>
+            <a:r>
+              <a:rPr lang="en-US" altLang="zh-CN" sz="2000" b="1" dirty="0" err="1">
+                <a:solidFill>
+                  <a:srgbClr val="0432FF"/>
+                </a:solidFill>
+                <a:latin typeface="Courier New" panose="02070309020205020404" pitchFamily="49" charset="0"/>
+              </a:rPr>
+              <a:t>Stack_t</a:t>
+            </a:r>
+            <a:r>
+              <a:rPr lang="en-US" altLang="zh-CN" sz="2000" b="1" dirty="0">
+                <a:solidFill>
+                  <a:srgbClr val="0432FF"/>
+                </a:solidFill>
+                <a:latin typeface="Courier New" panose="02070309020205020404" pitchFamily="49" charset="0"/>
+              </a:rPr>
+              <a:t> </a:t>
+            </a:r>
+            <a:r>
+              <a:rPr lang="en-US" altLang="zh-CN" sz="2000" b="1" dirty="0" err="1">
+                <a:solidFill>
+                  <a:srgbClr val="0432FF"/>
+                </a:solidFill>
+                <a:latin typeface="Courier New" panose="02070309020205020404" pitchFamily="49" charset="0"/>
+              </a:rPr>
+              <a:t>stk</a:t>
+            </a:r>
+            <a:r>
+              <a:rPr lang="en-US" altLang="zh-CN" sz="2000" b="1" dirty="0">
+                <a:solidFill>
+                  <a:srgbClr val="0432FF"/>
+                </a:solidFill>
+                <a:latin typeface="Courier New" panose="02070309020205020404" pitchFamily="49" charset="0"/>
+              </a:rPr>
+              <a:t>, </a:t>
+            </a:r>
+            <a:r>
+              <a:rPr lang="en-US" altLang="zh-CN" sz="2000" b="1" dirty="0" err="1">
+                <a:solidFill>
+                  <a:srgbClr val="0432FF"/>
+                </a:solidFill>
+                <a:latin typeface="Courier New" panose="02070309020205020404" pitchFamily="49" charset="0"/>
+              </a:rPr>
+              <a:t>Poly_t</a:t>
+            </a:r>
+            <a:r>
+              <a:rPr lang="en-US" altLang="zh-CN" sz="2000" b="1" dirty="0">
+                <a:solidFill>
+                  <a:srgbClr val="0432FF"/>
+                </a:solidFill>
+                <a:latin typeface="Courier New" panose="02070309020205020404" pitchFamily="49" charset="0"/>
+              </a:rPr>
+              <a:t> x){</a:t>
             </a:r>
           </a:p>
           <a:p>
@@ -10330,13 +10867,22 @@
               <a:buNone/>
             </a:pPr>
             <a:r>
-              <a:rPr lang="en-US" altLang="zh-CN" sz="2000" b="1">
-                <a:solidFill>
-                  <a:schemeClr val="folHlink"/>
-                </a:solidFill>
-                <a:latin typeface="Courier New" panose="02070309020205020404" pitchFamily="49" charset="0"/>
-              </a:rPr>
-              <a:t>{</a:t>
+              <a:rPr lang="en-US" altLang="zh-CN" sz="2000" b="1" dirty="0">
+                <a:latin typeface="Courier New" panose="02070309020205020404" pitchFamily="49" charset="0"/>
+              </a:rPr>
+              <a:t>  // note the difference with vector </a:t>
+            </a:r>
+            <a:r>
+              <a:rPr lang="en-US" altLang="zh-CN" sz="2000" b="1" dirty="0" err="1">
+                <a:latin typeface="Courier New" panose="02070309020205020404" pitchFamily="49" charset="0"/>
+              </a:rPr>
+              <a:t>impl</a:t>
+            </a:r>
+            <a:r>
+              <a:rPr lang="en-US" altLang="zh-CN" sz="2000" b="1" dirty="0">
+                <a:latin typeface="Courier New" panose="02070309020205020404" pitchFamily="49" charset="0"/>
+              </a:rPr>
+              <a:t>'</a:t>
             </a:r>
           </a:p>
           <a:p>
@@ -10348,10 +10894,49 @@
               <a:buNone/>
             </a:pPr>
             <a:r>
-              <a:rPr lang="en-US" altLang="zh-CN" sz="2000" b="1">
-                <a:latin typeface="Courier New" panose="02070309020205020404" pitchFamily="49" charset="0"/>
-              </a:rPr>
-              <a:t>  // note the difference with extensible array</a:t>
+              <a:rPr lang="en-US" altLang="zh-CN" sz="2000" b="1" dirty="0">
+                <a:solidFill>
+                  <a:srgbClr val="0432FF"/>
+                </a:solidFill>
+                <a:latin typeface="Courier New" panose="02070309020205020404" pitchFamily="49" charset="0"/>
+              </a:rPr>
+              <a:t>  </a:t>
+            </a:r>
+            <a:r>
+              <a:rPr lang="en-US" altLang="zh-CN" sz="2000" b="1" dirty="0" err="1">
+                <a:solidFill>
+                  <a:srgbClr val="0432FF"/>
+                </a:solidFill>
+                <a:latin typeface="Courier New" panose="02070309020205020404" pitchFamily="49" charset="0"/>
+              </a:rPr>
+              <a:t>LinkedList_insertFirst</a:t>
+            </a:r>
+            <a:r>
+              <a:rPr lang="en-US" altLang="zh-CN" sz="2000" b="1" dirty="0">
+                <a:solidFill>
+                  <a:srgbClr val="0432FF"/>
+                </a:solidFill>
+                <a:latin typeface="Courier New" panose="02070309020205020404" pitchFamily="49" charset="0"/>
+              </a:rPr>
+              <a:t>(</a:t>
+            </a:r>
+            <a:r>
+              <a:rPr lang="en-US" altLang="zh-CN" sz="2000" b="1" dirty="0" err="1">
+                <a:solidFill>
+                  <a:srgbClr val="0432FF"/>
+                </a:solidFill>
+                <a:latin typeface="Courier New" panose="02070309020205020404" pitchFamily="49" charset="0"/>
+              </a:rPr>
+              <a:t>stk</a:t>
+            </a:r>
+            <a:r>
+              <a:rPr lang="en-US" altLang="zh-CN" sz="2000" b="1" dirty="0">
+                <a:solidFill>
+                  <a:srgbClr val="0432FF"/>
+                </a:solidFill>
+                <a:latin typeface="Courier New" panose="02070309020205020404" pitchFamily="49" charset="0"/>
+              </a:rPr>
+              <a:t>-&gt;l, x);</a:t>
             </a:r>
           </a:p>
           <a:p>
@@ -10363,13 +10948,13 @@
               <a:buNone/>
             </a:pPr>
             <a:r>
-              <a:rPr lang="en-US" altLang="zh-CN" sz="2000" b="1">
-                <a:solidFill>
-                  <a:schemeClr val="folHlink"/>
-                </a:solidFill>
-                <a:latin typeface="Courier New" panose="02070309020205020404" pitchFamily="49" charset="0"/>
-              </a:rPr>
-              <a:t>  LinkedList_insertFirst (stk-&gt;l, x);</a:t>
+              <a:rPr lang="en-US" altLang="zh-CN" sz="2000" b="1" dirty="0">
+                <a:solidFill>
+                  <a:srgbClr val="0432FF"/>
+                </a:solidFill>
+                <a:latin typeface="Courier New" panose="02070309020205020404" pitchFamily="49" charset="0"/>
+              </a:rPr>
+              <a:t>  return;</a:t>
             </a:r>
           </a:p>
           <a:p>
@@ -10381,13 +10966,13 @@
               <a:buNone/>
             </a:pPr>
             <a:r>
-              <a:rPr lang="en-US" altLang="zh-CN" sz="2000" b="1">
-                <a:solidFill>
-                  <a:schemeClr val="folHlink"/>
-                </a:solidFill>
-                <a:latin typeface="Courier New" panose="02070309020205020404" pitchFamily="49" charset="0"/>
-              </a:rPr>
-              <a:t>  return;</a:t>
+              <a:rPr lang="en-US" altLang="zh-CN" sz="2000" b="1" dirty="0">
+                <a:solidFill>
+                  <a:srgbClr val="0432FF"/>
+                </a:solidFill>
+                <a:latin typeface="Courier New" panose="02070309020205020404" pitchFamily="49" charset="0"/>
+              </a:rPr>
+              <a:t>}</a:t>
             </a:r>
           </a:p>
           <a:p>
@@ -10398,25 +10983,7 @@
               <a:buFont typeface="Wingdings" pitchFamily="2" charset="2"/>
               <a:buNone/>
             </a:pPr>
-            <a:r>
-              <a:rPr lang="en-US" altLang="zh-CN" sz="2000" b="1">
-                <a:solidFill>
-                  <a:schemeClr val="folHlink"/>
-                </a:solidFill>
-                <a:latin typeface="Courier New" panose="02070309020205020404" pitchFamily="49" charset="0"/>
-              </a:rPr>
-              <a:t>}</a:t>
-            </a:r>
-          </a:p>
-          <a:p>
-            <a:pPr>
-              <a:lnSpc>
-                <a:spcPct val="80000"/>
-              </a:lnSpc>
-              <a:buFont typeface="Wingdings" pitchFamily="2" charset="2"/>
-              <a:buNone/>
-            </a:pPr>
-            <a:endParaRPr lang="en-US" altLang="zh-CN" sz="2000" b="1">
+            <a:endParaRPr lang="en-US" altLang="zh-CN" sz="2000" b="1" dirty="0">
               <a:solidFill>
                 <a:schemeClr val="folHlink"/>
               </a:solidFill>
@@ -11628,13 +12195,76 @@
               <a:buNone/>
             </a:pPr>
             <a:r>
-              <a:rPr lang="en-US" altLang="zh-CN" sz="2000" b="1">
-                <a:solidFill>
-                  <a:schemeClr val="folHlink"/>
-                </a:solidFill>
-                <a:latin typeface="Courier New" panose="02070309020205020404" pitchFamily="49" charset="0"/>
-              </a:rPr>
-              <a:t>poly Stack_pop (Stack_t stk)</a:t>
+              <a:rPr lang="en-US" altLang="zh-CN" sz="2000" b="1" dirty="0" err="1">
+                <a:solidFill>
+                  <a:srgbClr val="0432FF"/>
+                </a:solidFill>
+                <a:latin typeface="Courier New" panose="02070309020205020404" pitchFamily="49" charset="0"/>
+              </a:rPr>
+              <a:t>Poly_t</a:t>
+            </a:r>
+            <a:r>
+              <a:rPr lang="en-US" altLang="zh-CN" sz="2000" b="1" dirty="0">
+                <a:solidFill>
+                  <a:srgbClr val="0432FF"/>
+                </a:solidFill>
+                <a:latin typeface="Courier New" panose="02070309020205020404" pitchFamily="49" charset="0"/>
+              </a:rPr>
+              <a:t> </a:t>
+            </a:r>
+            <a:r>
+              <a:rPr lang="en-US" altLang="zh-CN" sz="2000" b="1" dirty="0" err="1">
+                <a:solidFill>
+                  <a:srgbClr val="0432FF"/>
+                </a:solidFill>
+                <a:latin typeface="Courier New" panose="02070309020205020404" pitchFamily="49" charset="0"/>
+              </a:rPr>
+              <a:t>Stack_pop</a:t>
+            </a:r>
+            <a:r>
+              <a:rPr lang="en-US" altLang="zh-CN" sz="2000" b="1" dirty="0">
+                <a:solidFill>
+                  <a:srgbClr val="0432FF"/>
+                </a:solidFill>
+                <a:latin typeface="Courier New" panose="02070309020205020404" pitchFamily="49" charset="0"/>
+              </a:rPr>
+              <a:t>(</a:t>
+            </a:r>
+            <a:r>
+              <a:rPr lang="en-US" altLang="zh-CN" sz="2000" b="1" dirty="0" err="1">
+                <a:solidFill>
+                  <a:srgbClr val="0432FF"/>
+                </a:solidFill>
+                <a:latin typeface="Courier New" panose="02070309020205020404" pitchFamily="49" charset="0"/>
+              </a:rPr>
+              <a:t>Stack_t</a:t>
+            </a:r>
+            <a:r>
+              <a:rPr lang="en-US" altLang="zh-CN" sz="2000" b="1" dirty="0">
+                <a:solidFill>
+                  <a:srgbClr val="0432FF"/>
+                </a:solidFill>
+                <a:latin typeface="Courier New" panose="02070309020205020404" pitchFamily="49" charset="0"/>
+              </a:rPr>
+              <a:t> </a:t>
+            </a:r>
+            <a:r>
+              <a:rPr lang="en-US" altLang="zh-CN" sz="2000" b="1" dirty="0" err="1">
+                <a:solidFill>
+                  <a:srgbClr val="0432FF"/>
+                </a:solidFill>
+                <a:latin typeface="Courier New" panose="02070309020205020404" pitchFamily="49" charset="0"/>
+              </a:rPr>
+              <a:t>stk</a:t>
+            </a:r>
+            <a:r>
+              <a:rPr lang="en-US" altLang="zh-CN" sz="2000" b="1" dirty="0">
+                <a:solidFill>
+                  <a:srgbClr val="0432FF"/>
+                </a:solidFill>
+                <a:latin typeface="Courier New" panose="02070309020205020404" pitchFamily="49" charset="0"/>
+              </a:rPr>
+              <a:t>){</a:t>
             </a:r>
           </a:p>
           <a:p>
@@ -11646,13 +12276,49 @@
               <a:buNone/>
             </a:pPr>
             <a:r>
-              <a:rPr lang="en-US" altLang="zh-CN" sz="2000" b="1">
-                <a:solidFill>
-                  <a:schemeClr val="folHlink"/>
-                </a:solidFill>
-                <a:latin typeface="Courier New" panose="02070309020205020404" pitchFamily="49" charset="0"/>
-              </a:rPr>
-              <a:t>{</a:t>
+              <a:rPr lang="en-US" altLang="zh-CN" sz="2000" b="1" dirty="0">
+                <a:solidFill>
+                  <a:srgbClr val="0432FF"/>
+                </a:solidFill>
+                <a:latin typeface="Courier New" panose="02070309020205020404" pitchFamily="49" charset="0"/>
+              </a:rPr>
+              <a:t>  if(</a:t>
+            </a:r>
+            <a:r>
+              <a:rPr lang="en-US" altLang="zh-CN" sz="2000" b="1" dirty="0" err="1">
+                <a:solidFill>
+                  <a:srgbClr val="0432FF"/>
+                </a:solidFill>
+                <a:latin typeface="Courier New" panose="02070309020205020404" pitchFamily="49" charset="0"/>
+              </a:rPr>
+              <a:t>LinkedList_isEmpty</a:t>
+            </a:r>
+            <a:r>
+              <a:rPr lang="en-US" altLang="zh-CN" sz="2000" b="1" dirty="0">
+                <a:solidFill>
+                  <a:srgbClr val="0432FF"/>
+                </a:solidFill>
+                <a:latin typeface="Courier New" panose="02070309020205020404" pitchFamily="49" charset="0"/>
+              </a:rPr>
+              <a:t>(</a:t>
+            </a:r>
+            <a:r>
+              <a:rPr lang="en-US" altLang="zh-CN" sz="2000" b="1" dirty="0" err="1">
+                <a:solidFill>
+                  <a:srgbClr val="0432FF"/>
+                </a:solidFill>
+                <a:latin typeface="Courier New" panose="02070309020205020404" pitchFamily="49" charset="0"/>
+              </a:rPr>
+              <a:t>stk</a:t>
+            </a:r>
+            <a:r>
+              <a:rPr lang="en-US" altLang="zh-CN" sz="2000" b="1" dirty="0">
+                <a:solidFill>
+                  <a:srgbClr val="0432FF"/>
+                </a:solidFill>
+                <a:latin typeface="Courier New" panose="02070309020205020404" pitchFamily="49" charset="0"/>
+              </a:rPr>
+              <a:t>-&gt;l))</a:t>
             </a:r>
           </a:p>
           <a:p>
@@ -11664,13 +12330,13 @@
               <a:buNone/>
             </a:pPr>
             <a:r>
-              <a:rPr lang="en-US" altLang="zh-CN" sz="2000" b="1">
-                <a:solidFill>
-                  <a:schemeClr val="folHlink"/>
-                </a:solidFill>
-                <a:latin typeface="Courier New" panose="02070309020205020404" pitchFamily="49" charset="0"/>
-              </a:rPr>
-              <a:t>  if (LinkedList_isEmpty (stk-&gt;l))</a:t>
+              <a:rPr lang="en-US" altLang="zh-CN" sz="2000" b="1" dirty="0">
+                <a:solidFill>
+                  <a:srgbClr val="0432FF"/>
+                </a:solidFill>
+                <a:latin typeface="Courier New" panose="02070309020205020404" pitchFamily="49" charset="0"/>
+              </a:rPr>
+              <a:t>    error(“empty stack”); </a:t>
             </a:r>
           </a:p>
           <a:p>
@@ -11682,13 +12348,49 @@
               <a:buNone/>
             </a:pPr>
             <a:r>
-              <a:rPr lang="en-US" altLang="zh-CN" sz="2000" b="1">
-                <a:solidFill>
-                  <a:schemeClr val="folHlink"/>
-                </a:solidFill>
-                <a:latin typeface="Courier New" panose="02070309020205020404" pitchFamily="49" charset="0"/>
-              </a:rPr>
-              <a:t>    error (“empty stack”); </a:t>
+              <a:rPr lang="en-US" altLang="zh-CN" sz="2000" b="1" dirty="0">
+                <a:solidFill>
+                  <a:srgbClr val="0432FF"/>
+                </a:solidFill>
+                <a:latin typeface="Courier New" panose="02070309020205020404" pitchFamily="49" charset="0"/>
+              </a:rPr>
+              <a:t>	return </a:t>
+            </a:r>
+            <a:r>
+              <a:rPr lang="en-US" altLang="zh-CN" sz="2000" b="1" dirty="0" err="1">
+                <a:solidFill>
+                  <a:srgbClr val="0432FF"/>
+                </a:solidFill>
+                <a:latin typeface="Courier New" panose="02070309020205020404" pitchFamily="49" charset="0"/>
+              </a:rPr>
+              <a:t>LinkedList_deleteFirst</a:t>
+            </a:r>
+            <a:r>
+              <a:rPr lang="en-US" altLang="zh-CN" sz="2000" b="1" dirty="0">
+                <a:solidFill>
+                  <a:srgbClr val="0432FF"/>
+                </a:solidFill>
+                <a:latin typeface="Courier New" panose="02070309020205020404" pitchFamily="49" charset="0"/>
+              </a:rPr>
+              <a:t>(</a:t>
+            </a:r>
+            <a:r>
+              <a:rPr lang="en-US" altLang="zh-CN" sz="2000" b="1" dirty="0" err="1">
+                <a:solidFill>
+                  <a:srgbClr val="0432FF"/>
+                </a:solidFill>
+                <a:latin typeface="Courier New" panose="02070309020205020404" pitchFamily="49" charset="0"/>
+              </a:rPr>
+              <a:t>stk</a:t>
+            </a:r>
+            <a:r>
+              <a:rPr lang="en-US" altLang="zh-CN" sz="2000" b="1" dirty="0">
+                <a:solidFill>
+                  <a:srgbClr val="0432FF"/>
+                </a:solidFill>
+                <a:latin typeface="Courier New" panose="02070309020205020404" pitchFamily="49" charset="0"/>
+              </a:rPr>
+              <a:t>-&gt;l);</a:t>
             </a:r>
           </a:p>
           <a:p>
@@ -11700,13 +12402,13 @@
               <a:buNone/>
             </a:pPr>
             <a:r>
-              <a:rPr lang="en-US" altLang="zh-CN" sz="2000" b="1">
-                <a:solidFill>
-                  <a:schemeClr val="folHlink"/>
-                </a:solidFill>
-                <a:latin typeface="Courier New" panose="02070309020205020404" pitchFamily="49" charset="0"/>
-              </a:rPr>
-              <a:t>	return LinkedList_deleteFirst (stk-&gt;l);</a:t>
+              <a:rPr lang="en-US" altLang="zh-CN" sz="2000" b="1" dirty="0">
+                <a:solidFill>
+                  <a:srgbClr val="0432FF"/>
+                </a:solidFill>
+                <a:latin typeface="Courier New" panose="02070309020205020404" pitchFamily="49" charset="0"/>
+              </a:rPr>
+              <a:t>}</a:t>
             </a:r>
           </a:p>
           <a:p>
@@ -11717,25 +12419,7 @@
               <a:buFont typeface="Wingdings" pitchFamily="2" charset="2"/>
               <a:buNone/>
             </a:pPr>
-            <a:r>
-              <a:rPr lang="en-US" altLang="zh-CN" sz="2000" b="1">
-                <a:solidFill>
-                  <a:schemeClr val="folHlink"/>
-                </a:solidFill>
-                <a:latin typeface="Courier New" panose="02070309020205020404" pitchFamily="49" charset="0"/>
-              </a:rPr>
-              <a:t>}</a:t>
-            </a:r>
-          </a:p>
-          <a:p>
-            <a:pPr>
-              <a:lnSpc>
-                <a:spcPct val="90000"/>
-              </a:lnSpc>
-              <a:buFont typeface="Wingdings" pitchFamily="2" charset="2"/>
-              <a:buNone/>
-            </a:pPr>
-            <a:endParaRPr lang="en-US" altLang="zh-CN" sz="2000">
+            <a:endParaRPr lang="en-US" altLang="zh-CN" sz="2000" dirty="0">
               <a:solidFill>
                 <a:schemeClr val="folHlink"/>
               </a:solidFill>
@@ -14124,8 +14808,8 @@
               </a:spcBef>
             </a:pPr>
             <a:r>
-              <a:rPr lang="en-US" altLang="zh-CN"/>
-              <a:t>insert</a:t>
+              <a:rPr lang="en-US" altLang="zh-CN" dirty="0"/>
+              <a:t>push</a:t>
             </a:r>
           </a:p>
         </p:txBody>
@@ -14397,8 +15081,8 @@
               </a:spcBef>
             </a:pPr>
             <a:r>
-              <a:rPr lang="en-US" altLang="zh-CN"/>
-              <a:t>insert</a:t>
+              <a:rPr lang="en-US" altLang="zh-CN" dirty="0"/>
+              <a:t>push</a:t>
             </a:r>
           </a:p>
         </p:txBody>
@@ -14528,8 +15212,8 @@
               </a:spcBef>
             </a:pPr>
             <a:r>
-              <a:rPr lang="en-US" altLang="zh-CN"/>
-              <a:t>insert</a:t>
+              <a:rPr lang="en-US" altLang="zh-CN" dirty="0"/>
+              <a:t>push</a:t>
             </a:r>
           </a:p>
         </p:txBody>
@@ -14872,8 +15556,8 @@
               </a:spcBef>
             </a:pPr>
             <a:r>
-              <a:rPr lang="en-US" altLang="zh-CN"/>
-              <a:t>delete</a:t>
+              <a:rPr lang="en-US" altLang="zh-CN" dirty="0"/>
+              <a:t>pop</a:t>
             </a:r>
           </a:p>
         </p:txBody>
@@ -15319,7 +16003,7 @@
             <a:r>
               <a:rPr lang="en-US" altLang="zh-CN" sz="2000" b="1" dirty="0">
                 <a:solidFill>
-                  <a:schemeClr val="folHlink"/>
+                  <a:srgbClr val="0432FF"/>
                 </a:solidFill>
                 <a:latin typeface="Courier New" panose="02070309020205020404" pitchFamily="49" charset="0"/>
               </a:rPr>
@@ -15328,7 +16012,7 @@
             <a:r>
               <a:rPr lang="en-US" altLang="zh-CN" sz="2000" b="1" dirty="0" err="1">
                 <a:solidFill>
-                  <a:schemeClr val="folHlink"/>
+                  <a:srgbClr val="0432FF"/>
                 </a:solidFill>
                 <a:latin typeface="Courier New" panose="02070309020205020404" pitchFamily="49" charset="0"/>
               </a:rPr>
@@ -15337,7 +16021,7 @@
             <a:r>
               <a:rPr lang="en-US" altLang="zh-CN" sz="2000" b="1" dirty="0">
                 <a:solidFill>
-                  <a:schemeClr val="folHlink"/>
+                  <a:srgbClr val="0432FF"/>
                 </a:solidFill>
                 <a:latin typeface="Courier New" panose="02070309020205020404" pitchFamily="49" charset="0"/>
               </a:rPr>
@@ -15352,7 +16036,7 @@
             <a:r>
               <a:rPr lang="en-US" altLang="zh-CN" sz="2000" b="1" dirty="0">
                 <a:solidFill>
-                  <a:schemeClr val="folHlink"/>
+                  <a:srgbClr val="0432FF"/>
                 </a:solidFill>
                 <a:latin typeface="Courier New" panose="02070309020205020404" pitchFamily="49" charset="0"/>
               </a:rPr>
@@ -15367,7 +16051,7 @@
             <a:r>
               <a:rPr lang="en-US" altLang="zh-CN" sz="2000" b="1" dirty="0">
                 <a:solidFill>
-                  <a:schemeClr val="folHlink"/>
+                  <a:srgbClr val="0432FF"/>
                 </a:solidFill>
                 <a:latin typeface="Courier New" panose="02070309020205020404" pitchFamily="49" charset="0"/>
               </a:rPr>
@@ -15376,7 +16060,7 @@
             <a:r>
               <a:rPr lang="en-US" altLang="zh-CN" sz="2000" b="1" dirty="0" err="1">
                 <a:solidFill>
-                  <a:schemeClr val="folHlink"/>
+                  <a:srgbClr val="0432FF"/>
                 </a:solidFill>
                 <a:latin typeface="Courier New" panose="02070309020205020404" pitchFamily="49" charset="0"/>
               </a:rPr>
@@ -15385,7 +16069,7 @@
             <a:r>
               <a:rPr lang="en-US" altLang="zh-CN" sz="2000" b="1" dirty="0">
                 <a:solidFill>
-                  <a:schemeClr val="folHlink"/>
+                  <a:srgbClr val="0432FF"/>
                 </a:solidFill>
                 <a:latin typeface="Courier New" panose="02070309020205020404" pitchFamily="49" charset="0"/>
               </a:rPr>
@@ -15394,7 +16078,7 @@
             <a:r>
               <a:rPr lang="en-US" altLang="zh-CN" sz="2000" b="1" dirty="0" err="1">
                 <a:solidFill>
-                  <a:schemeClr val="folHlink"/>
+                  <a:srgbClr val="0432FF"/>
                 </a:solidFill>
                 <a:latin typeface="Courier New" panose="02070309020205020404" pitchFamily="49" charset="0"/>
               </a:rPr>
@@ -15403,7 +16087,7 @@
             <a:r>
               <a:rPr lang="en-US" altLang="zh-CN" sz="2000" b="1" dirty="0">
                 <a:solidFill>
-                  <a:schemeClr val="folHlink"/>
+                  <a:srgbClr val="0432FF"/>
                 </a:solidFill>
                 <a:latin typeface="Courier New" panose="02070309020205020404" pitchFamily="49" charset="0"/>
               </a:rPr>
@@ -15417,7 +16101,7 @@
             </a:pPr>
             <a:endParaRPr lang="en-US" altLang="zh-CN" sz="2000" b="1" dirty="0">
               <a:solidFill>
-                <a:schemeClr val="folHlink"/>
+                <a:srgbClr val="0432FF"/>
               </a:solidFill>
               <a:latin typeface="Courier New" panose="02070309020205020404" pitchFamily="49" charset="0"/>
             </a:endParaRPr>
@@ -15430,7 +16114,7 @@
             <a:r>
               <a:rPr lang="en-US" altLang="zh-CN" sz="2000" b="1" dirty="0" err="1">
                 <a:solidFill>
-                  <a:schemeClr val="folHlink"/>
+                  <a:srgbClr val="0432FF"/>
                 </a:solidFill>
                 <a:latin typeface="Courier New" panose="02070309020205020404" pitchFamily="49" charset="0"/>
               </a:rPr>
@@ -15439,7 +16123,7 @@
             <a:r>
               <a:rPr lang="en-US" altLang="zh-CN" sz="2000" b="1" dirty="0">
                 <a:solidFill>
-                  <a:schemeClr val="folHlink"/>
+                  <a:srgbClr val="0432FF"/>
                 </a:solidFill>
                 <a:latin typeface="Courier New" panose="02070309020205020404" pitchFamily="49" charset="0"/>
               </a:rPr>
@@ -15448,7 +16132,7 @@
             <a:r>
               <a:rPr lang="en-US" altLang="zh-CN" sz="2000" b="1" dirty="0" err="1">
                 <a:solidFill>
-                  <a:schemeClr val="folHlink"/>
+                  <a:srgbClr val="0432FF"/>
                 </a:solidFill>
                 <a:latin typeface="Courier New" panose="02070309020205020404" pitchFamily="49" charset="0"/>
               </a:rPr>
@@ -15457,7 +16141,7 @@
             <a:r>
               <a:rPr lang="en-US" altLang="zh-CN" sz="2000" b="1" dirty="0">
                 <a:solidFill>
-                  <a:schemeClr val="folHlink"/>
+                  <a:srgbClr val="0432FF"/>
                 </a:solidFill>
                 <a:latin typeface="Courier New" panose="02070309020205020404" pitchFamily="49" charset="0"/>
               </a:rPr>
@@ -15472,7 +16156,7 @@
             <a:r>
               <a:rPr lang="en-US" altLang="zh-CN" sz="2000" b="1" dirty="0">
                 <a:solidFill>
-                  <a:schemeClr val="folHlink"/>
+                  <a:srgbClr val="0432FF"/>
                 </a:solidFill>
                 <a:latin typeface="Courier New" panose="02070309020205020404" pitchFamily="49" charset="0"/>
               </a:rPr>
@@ -15481,7 +16165,7 @@
             <a:r>
               <a:rPr lang="en-US" altLang="zh-CN" sz="2000" b="1" dirty="0" err="1">
                 <a:solidFill>
-                  <a:schemeClr val="folHlink"/>
+                  <a:srgbClr val="0432FF"/>
                 </a:solidFill>
                 <a:latin typeface="Courier New" panose="02070309020205020404" pitchFamily="49" charset="0"/>
               </a:rPr>
@@ -15490,7 +16174,7 @@
             <a:r>
               <a:rPr lang="en-US" altLang="zh-CN" sz="2000" b="1" dirty="0">
                 <a:solidFill>
-                  <a:schemeClr val="folHlink"/>
+                  <a:srgbClr val="0432FF"/>
                 </a:solidFill>
                 <a:latin typeface="Courier New" panose="02070309020205020404" pitchFamily="49" charset="0"/>
               </a:rPr>
@@ -15499,7 +16183,7 @@
             <a:r>
               <a:rPr lang="en-US" altLang="zh-CN" sz="2000" b="1" dirty="0" err="1">
                 <a:solidFill>
-                  <a:schemeClr val="folHlink"/>
+                  <a:srgbClr val="0432FF"/>
                 </a:solidFill>
                 <a:latin typeface="Courier New" panose="02070309020205020404" pitchFamily="49" charset="0"/>
               </a:rPr>
@@ -15508,7 +16192,7 @@
             <a:r>
               <a:rPr lang="en-US" altLang="zh-CN" sz="2000" b="1" dirty="0">
                 <a:solidFill>
-                  <a:schemeClr val="folHlink"/>
+                  <a:srgbClr val="0432FF"/>
                 </a:solidFill>
                 <a:latin typeface="Courier New" panose="02070309020205020404" pitchFamily="49" charset="0"/>
               </a:rPr>
@@ -15517,7 +16201,7 @@
             <a:r>
               <a:rPr lang="en-US" altLang="zh-CN" sz="2000" b="1" dirty="0" err="1">
                 <a:solidFill>
-                  <a:schemeClr val="folHlink"/>
+                  <a:srgbClr val="0432FF"/>
                 </a:solidFill>
                 <a:latin typeface="Courier New" panose="02070309020205020404" pitchFamily="49" charset="0"/>
               </a:rPr>
@@ -15526,7 +16210,7 @@
             <a:r>
               <a:rPr lang="en-US" altLang="zh-CN" sz="2000" b="1" dirty="0">
                 <a:solidFill>
-                  <a:schemeClr val="folHlink"/>
+                  <a:srgbClr val="0432FF"/>
                 </a:solidFill>
                 <a:latin typeface="Courier New" panose="02070309020205020404" pitchFamily="49" charset="0"/>
               </a:rPr>
@@ -15541,7 +16225,7 @@
             <a:r>
               <a:rPr lang="en-US" altLang="zh-CN" sz="2000" b="1" dirty="0">
                 <a:solidFill>
-                  <a:schemeClr val="folHlink"/>
+                  <a:srgbClr val="0432FF"/>
                 </a:solidFill>
                 <a:latin typeface="Courier New" panose="02070309020205020404" pitchFamily="49" charset="0"/>
               </a:rPr>
@@ -15550,7 +16234,7 @@
             <a:r>
               <a:rPr lang="en-US" altLang="zh-CN" sz="2000" b="1" dirty="0" err="1">
                 <a:solidFill>
-                  <a:schemeClr val="folHlink"/>
+                  <a:srgbClr val="0432FF"/>
                 </a:solidFill>
                 <a:latin typeface="Courier New" panose="02070309020205020404" pitchFamily="49" charset="0"/>
               </a:rPr>
@@ -15559,7 +16243,7 @@
             <a:r>
               <a:rPr lang="en-US" altLang="zh-CN" sz="2000" b="1" dirty="0">
                 <a:solidFill>
-                  <a:schemeClr val="folHlink"/>
+                  <a:srgbClr val="0432FF"/>
                 </a:solidFill>
                 <a:latin typeface="Courier New" panose="02070309020205020404" pitchFamily="49" charset="0"/>
               </a:rPr>
@@ -15568,7 +16252,7 @@
             <a:r>
               <a:rPr lang="en-US" altLang="zh-CN" sz="2000" b="1" dirty="0" err="1">
                 <a:solidFill>
-                  <a:schemeClr val="folHlink"/>
+                  <a:srgbClr val="0432FF"/>
                 </a:solidFill>
                 <a:latin typeface="Courier New" panose="02070309020205020404" pitchFamily="49" charset="0"/>
               </a:rPr>
@@ -15577,7 +16261,7 @@
             <a:r>
               <a:rPr lang="en-US" altLang="zh-CN" sz="2000" b="1" dirty="0">
                 <a:solidFill>
-                  <a:schemeClr val="folHlink"/>
+                  <a:srgbClr val="0432FF"/>
                 </a:solidFill>
                 <a:latin typeface="Courier New" panose="02070309020205020404" pitchFamily="49" charset="0"/>
               </a:rPr>
@@ -15586,7 +16270,7 @@
             <a:r>
               <a:rPr lang="en-US" altLang="zh-CN" sz="2000" b="1" dirty="0" err="1">
                 <a:solidFill>
-                  <a:schemeClr val="folHlink"/>
+                  <a:srgbClr val="0432FF"/>
                 </a:solidFill>
                 <a:latin typeface="Courier New" panose="02070309020205020404" pitchFamily="49" charset="0"/>
               </a:rPr>
@@ -15595,7 +16279,7 @@
             <a:r>
               <a:rPr lang="en-US" altLang="zh-CN" sz="2000" b="1" dirty="0">
                 <a:solidFill>
-                  <a:schemeClr val="folHlink"/>
+                  <a:srgbClr val="0432FF"/>
                 </a:solidFill>
                 <a:latin typeface="Courier New" panose="02070309020205020404" pitchFamily="49" charset="0"/>
               </a:rPr>
@@ -15610,7 +16294,7 @@
             <a:r>
               <a:rPr lang="en-US" altLang="zh-CN" sz="2000" b="1" dirty="0">
                 <a:solidFill>
-                  <a:schemeClr val="folHlink"/>
+                  <a:srgbClr val="0432FF"/>
                 </a:solidFill>
                 <a:latin typeface="Courier New" panose="02070309020205020404" pitchFamily="49" charset="0"/>
               </a:rPr>
@@ -15619,7 +16303,7 @@
             <a:r>
               <a:rPr lang="en-US" altLang="zh-CN" sz="2000" b="1" dirty="0" err="1">
                 <a:solidFill>
-                  <a:schemeClr val="folHlink"/>
+                  <a:srgbClr val="0432FF"/>
                 </a:solidFill>
                 <a:latin typeface="Courier New" panose="02070309020205020404" pitchFamily="49" charset="0"/>
               </a:rPr>
@@ -15628,7 +16312,7 @@
             <a:r>
               <a:rPr lang="en-US" altLang="zh-CN" sz="2000" b="1" dirty="0">
                 <a:solidFill>
-                  <a:schemeClr val="folHlink"/>
+                  <a:srgbClr val="0432FF"/>
                 </a:solidFill>
                 <a:latin typeface="Courier New" panose="02070309020205020404" pitchFamily="49" charset="0"/>
               </a:rPr>
@@ -15637,7 +16321,7 @@
             <a:r>
               <a:rPr lang="en-US" altLang="zh-CN" sz="2000" b="1" dirty="0" err="1">
                 <a:solidFill>
-                  <a:schemeClr val="folHlink"/>
+                  <a:srgbClr val="0432FF"/>
                 </a:solidFill>
                 <a:latin typeface="Courier New" panose="02070309020205020404" pitchFamily="49" charset="0"/>
               </a:rPr>
@@ -15646,7 +16330,7 @@
             <a:r>
               <a:rPr lang="en-US" altLang="zh-CN" sz="2000" b="1" dirty="0">
                 <a:solidFill>
-                  <a:schemeClr val="folHlink"/>
+                  <a:srgbClr val="0432FF"/>
                 </a:solidFill>
                 <a:latin typeface="Courier New" panose="02070309020205020404" pitchFamily="49" charset="0"/>
               </a:rPr>
@@ -15655,7 +16339,7 @@
             <a:r>
               <a:rPr lang="en-US" altLang="zh-CN" sz="2000" b="1" dirty="0" err="1">
                 <a:solidFill>
-                  <a:schemeClr val="folHlink"/>
+                  <a:srgbClr val="0432FF"/>
                 </a:solidFill>
                 <a:latin typeface="Courier New" panose="02070309020205020404" pitchFamily="49" charset="0"/>
               </a:rPr>
@@ -15664,7 +16348,7 @@
             <a:r>
               <a:rPr lang="en-US" altLang="zh-CN" sz="2000" b="1" dirty="0">
                 <a:solidFill>
-                  <a:schemeClr val="folHlink"/>
+                  <a:srgbClr val="0432FF"/>
                 </a:solidFill>
                 <a:latin typeface="Courier New" panose="02070309020205020404" pitchFamily="49" charset="0"/>
               </a:rPr>
@@ -15673,7 +16357,7 @@
             <a:r>
               <a:rPr lang="en-US" altLang="zh-CN" sz="2000" b="1" dirty="0" err="1">
                 <a:solidFill>
-                  <a:schemeClr val="folHlink"/>
+                  <a:srgbClr val="0432FF"/>
                 </a:solidFill>
                 <a:latin typeface="Courier New" panose="02070309020205020404" pitchFamily="49" charset="0"/>
               </a:rPr>
@@ -15682,7 +16366,7 @@
             <a:r>
               <a:rPr lang="en-US" altLang="zh-CN" sz="2000" b="1" dirty="0">
                 <a:solidFill>
-                  <a:schemeClr val="folHlink"/>
+                  <a:srgbClr val="0432FF"/>
                 </a:solidFill>
                 <a:latin typeface="Courier New" panose="02070309020205020404" pitchFamily="49" charset="0"/>
               </a:rPr>
@@ -15697,7 +16381,7 @@
             <a:r>
               <a:rPr lang="en-US" altLang="zh-CN" sz="2000" b="1" dirty="0" err="1">
                 <a:solidFill>
-                  <a:schemeClr val="folHlink"/>
+                  <a:srgbClr val="0432FF"/>
                 </a:solidFill>
                 <a:latin typeface="Courier New" panose="02070309020205020404" pitchFamily="49" charset="0"/>
               </a:rPr>
@@ -15706,7 +16390,7 @@
             <a:r>
               <a:rPr lang="en-US" altLang="zh-CN" sz="2000" b="1" dirty="0">
                 <a:solidFill>
-                  <a:schemeClr val="folHlink"/>
+                  <a:srgbClr val="0432FF"/>
                 </a:solidFill>
                 <a:latin typeface="Courier New" panose="02070309020205020404" pitchFamily="49" charset="0"/>
               </a:rPr>
@@ -15715,7 +16399,7 @@
             <a:r>
               <a:rPr lang="en-US" altLang="zh-CN" sz="2000" b="1" dirty="0" err="1">
                 <a:solidFill>
-                  <a:schemeClr val="folHlink"/>
+                  <a:srgbClr val="0432FF"/>
                 </a:solidFill>
                 <a:latin typeface="Courier New" panose="02070309020205020404" pitchFamily="49" charset="0"/>
               </a:rPr>
@@ -15724,7 +16408,7 @@
             <a:r>
               <a:rPr lang="en-US" altLang="zh-CN" sz="2000" b="1" dirty="0">
                 <a:solidFill>
-                  <a:schemeClr val="folHlink"/>
+                  <a:srgbClr val="0432FF"/>
                 </a:solidFill>
                 <a:latin typeface="Courier New" panose="02070309020205020404" pitchFamily="49" charset="0"/>
               </a:rPr>
@@ -15733,7 +16417,7 @@
             <a:r>
               <a:rPr lang="en-US" altLang="zh-CN" sz="2000" b="1" dirty="0" err="1">
                 <a:solidFill>
-                  <a:schemeClr val="folHlink"/>
+                  <a:srgbClr val="0432FF"/>
                 </a:solidFill>
                 <a:latin typeface="Courier New" panose="02070309020205020404" pitchFamily="49" charset="0"/>
               </a:rPr>
@@ -15742,7 +16426,7 @@
             <a:r>
               <a:rPr lang="en-US" altLang="zh-CN" sz="2000" b="1" dirty="0">
                 <a:solidFill>
-                  <a:schemeClr val="folHlink"/>
+                  <a:srgbClr val="0432FF"/>
                 </a:solidFill>
                 <a:latin typeface="Courier New" panose="02070309020205020404" pitchFamily="49" charset="0"/>
               </a:rPr>
@@ -15751,7 +16435,7 @@
             <a:r>
               <a:rPr lang="en-US" altLang="zh-CN" sz="2000" b="1" dirty="0" err="1">
                 <a:solidFill>
-                  <a:schemeClr val="folHlink"/>
+                  <a:srgbClr val="0432FF"/>
                 </a:solidFill>
                 <a:latin typeface="Courier New" panose="02070309020205020404" pitchFamily="49" charset="0"/>
               </a:rPr>
@@ -15760,7 +16444,7 @@
             <a:r>
               <a:rPr lang="en-US" altLang="zh-CN" sz="2000" b="1" dirty="0">
                 <a:solidFill>
-                  <a:schemeClr val="folHlink"/>
+                  <a:srgbClr val="0432FF"/>
                 </a:solidFill>
                 <a:latin typeface="Courier New" panose="02070309020205020404" pitchFamily="49" charset="0"/>
               </a:rPr>
@@ -15775,7 +16459,7 @@
             <a:r>
               <a:rPr lang="en-US" altLang="zh-CN" sz="2000" b="1" dirty="0" err="1">
                 <a:solidFill>
-                  <a:schemeClr val="folHlink"/>
+                  <a:srgbClr val="0432FF"/>
                 </a:solidFill>
                 <a:latin typeface="Courier New" panose="02070309020205020404" pitchFamily="49" charset="0"/>
               </a:rPr>
@@ -15784,7 +16468,7 @@
             <a:r>
               <a:rPr lang="en-US" altLang="zh-CN" sz="2000" b="1" dirty="0">
                 <a:solidFill>
-                  <a:schemeClr val="folHlink"/>
+                  <a:srgbClr val="0432FF"/>
                 </a:solidFill>
                 <a:latin typeface="Courier New" panose="02070309020205020404" pitchFamily="49" charset="0"/>
               </a:rPr>
@@ -15793,7 +16477,7 @@
             <a:r>
               <a:rPr lang="en-US" altLang="zh-CN" sz="2000" b="1" dirty="0" err="1">
                 <a:solidFill>
-                  <a:schemeClr val="folHlink"/>
+                  <a:srgbClr val="0432FF"/>
                 </a:solidFill>
                 <a:latin typeface="Courier New" panose="02070309020205020404" pitchFamily="49" charset="0"/>
               </a:rPr>
@@ -15802,7 +16486,7 @@
             <a:r>
               <a:rPr lang="en-US" altLang="zh-CN" sz="2000" b="1" dirty="0">
                 <a:solidFill>
-                  <a:schemeClr val="folHlink"/>
+                  <a:srgbClr val="0432FF"/>
                 </a:solidFill>
                 <a:latin typeface="Courier New" panose="02070309020205020404" pitchFamily="49" charset="0"/>
               </a:rPr>
@@ -15811,7 +16495,7 @@
             <a:r>
               <a:rPr lang="en-US" altLang="zh-CN" sz="2000" b="1" dirty="0" err="1">
                 <a:solidFill>
-                  <a:schemeClr val="folHlink"/>
+                  <a:srgbClr val="0432FF"/>
                 </a:solidFill>
                 <a:latin typeface="Courier New" panose="02070309020205020404" pitchFamily="49" charset="0"/>
               </a:rPr>
@@ -15820,7 +16504,7 @@
             <a:r>
               <a:rPr lang="en-US" altLang="zh-CN" sz="2000" b="1" dirty="0">
                 <a:solidFill>
-                  <a:schemeClr val="folHlink"/>
+                  <a:srgbClr val="0432FF"/>
                 </a:solidFill>
                 <a:latin typeface="Courier New" panose="02070309020205020404" pitchFamily="49" charset="0"/>
               </a:rPr>
@@ -15829,7 +16513,7 @@
             <a:r>
               <a:rPr lang="en-US" altLang="zh-CN" sz="2000" b="1" dirty="0" err="1">
                 <a:solidFill>
-                  <a:schemeClr val="folHlink"/>
+                  <a:srgbClr val="0432FF"/>
                 </a:solidFill>
                 <a:latin typeface="Courier New" panose="02070309020205020404" pitchFamily="49" charset="0"/>
               </a:rPr>
@@ -15838,7 +16522,7 @@
             <a:r>
               <a:rPr lang="en-US" altLang="zh-CN" sz="2000" b="1" dirty="0">
                 <a:solidFill>
-                  <a:schemeClr val="folHlink"/>
+                  <a:srgbClr val="0432FF"/>
                 </a:solidFill>
                 <a:latin typeface="Courier New" panose="02070309020205020404" pitchFamily="49" charset="0"/>
               </a:rPr>
@@ -15852,7 +16536,7 @@
             </a:pPr>
             <a:endParaRPr lang="en-US" altLang="zh-CN" sz="2000" b="1" dirty="0">
               <a:solidFill>
-                <a:schemeClr val="folHlink"/>
+                <a:srgbClr val="0432FF"/>
               </a:solidFill>
               <a:latin typeface="Courier New" panose="02070309020205020404" pitchFamily="49" charset="0"/>
             </a:endParaRPr>
@@ -15865,7 +16549,7 @@
             <a:r>
               <a:rPr lang="en-US" altLang="zh-CN" sz="2000" b="1" dirty="0">
                 <a:solidFill>
-                  <a:schemeClr val="folHlink"/>
+                  <a:srgbClr val="0432FF"/>
                 </a:solidFill>
                 <a:latin typeface="Courier New" panose="02070309020205020404" pitchFamily="49" charset="0"/>
               </a:rPr>
@@ -15921,8 +16605,8 @@
           <a:lstStyle/>
           <a:p>
             <a:r>
-              <a:rPr lang="en-US" altLang="zh-CN"/>
-              <a:t>Implementation Using Extensible Array</a:t>
+              <a:rPr lang="en-US" altLang="zh-CN" dirty="0"/>
+              <a:t>Implementation Using Vectors</a:t>
             </a:r>
           </a:p>
         </p:txBody>
@@ -15962,7 +16646,7 @@
               <a:rPr lang="en-US" altLang="zh-CN" sz="2000" b="1" dirty="0" err="1">
                 <a:latin typeface="Courier New" panose="02070309020205020404" pitchFamily="49" charset="0"/>
               </a:rPr>
-              <a:t>arrayStack.c</a:t>
+              <a:t>stack.c</a:t>
             </a:r>
             <a:r>
               <a:rPr lang="en-US" altLang="zh-CN" sz="2000" b="1" dirty="0">
@@ -15979,7 +16663,7 @@
             <a:r>
               <a:rPr lang="en-US" altLang="zh-CN" sz="2000" b="1" dirty="0">
                 <a:solidFill>
-                  <a:schemeClr val="folHlink"/>
+                  <a:srgbClr val="0432FF"/>
                 </a:solidFill>
                 <a:latin typeface="Courier New" panose="02070309020205020404" pitchFamily="49" charset="0"/>
               </a:rPr>
@@ -15988,16 +16672,16 @@
             <a:r>
               <a:rPr lang="en-US" altLang="zh-CN" sz="2000" b="1" dirty="0" err="1">
                 <a:solidFill>
-                  <a:schemeClr val="folHlink"/>
-                </a:solidFill>
-                <a:latin typeface="Courier New" panose="02070309020205020404" pitchFamily="49" charset="0"/>
-              </a:rPr>
-              <a:t>array.h</a:t>
+                  <a:srgbClr val="0432FF"/>
+                </a:solidFill>
+                <a:latin typeface="Courier New" panose="02070309020205020404" pitchFamily="49" charset="0"/>
+              </a:rPr>
+              <a:t>vector.h</a:t>
             </a:r>
             <a:r>
               <a:rPr lang="en-US" altLang="zh-CN" sz="2000" b="1" dirty="0">
                 <a:solidFill>
-                  <a:schemeClr val="folHlink"/>
+                  <a:srgbClr val="0432FF"/>
                 </a:solidFill>
                 <a:latin typeface="Courier New" panose="02070309020205020404" pitchFamily="49" charset="0"/>
               </a:rPr>
@@ -16011,7 +16695,7 @@
             </a:pPr>
             <a:endParaRPr lang="en-US" altLang="zh-CN" sz="2000" b="1" dirty="0">
               <a:solidFill>
-                <a:schemeClr val="folHlink"/>
+                <a:srgbClr val="0432FF"/>
               </a:solidFill>
               <a:latin typeface="Courier New" panose="02070309020205020404" pitchFamily="49" charset="0"/>
             </a:endParaRPr>
@@ -16024,7 +16708,7 @@
             <a:r>
               <a:rPr lang="en-US" altLang="zh-CN" sz="2000" b="1" dirty="0">
                 <a:solidFill>
-                  <a:schemeClr val="folHlink"/>
+                  <a:srgbClr val="0432FF"/>
                 </a:solidFill>
                 <a:latin typeface="Courier New" panose="02070309020205020404" pitchFamily="49" charset="0"/>
               </a:rPr>
@@ -16033,7 +16717,7 @@
             <a:r>
               <a:rPr lang="en-US" altLang="zh-CN" sz="2000" b="1" dirty="0" err="1">
                 <a:solidFill>
-                  <a:schemeClr val="folHlink"/>
+                  <a:srgbClr val="0432FF"/>
                 </a:solidFill>
                 <a:latin typeface="Courier New" panose="02070309020205020404" pitchFamily="49" charset="0"/>
               </a:rPr>
@@ -16042,7 +16726,7 @@
             <a:r>
               <a:rPr lang="en-US" altLang="zh-CN" sz="2000" b="1" dirty="0">
                 <a:solidFill>
-                  <a:schemeClr val="folHlink"/>
+                  <a:srgbClr val="0432FF"/>
                 </a:solidFill>
                 <a:latin typeface="Courier New" panose="02070309020205020404" pitchFamily="49" charset="0"/>
               </a:rPr>
@@ -16057,7 +16741,7 @@
             <a:r>
               <a:rPr lang="en-US" altLang="zh-CN" sz="2000" b="1" dirty="0">
                 <a:solidFill>
-                  <a:schemeClr val="folHlink"/>
+                  <a:srgbClr val="0432FF"/>
                 </a:solidFill>
                 <a:latin typeface="Courier New" panose="02070309020205020404" pitchFamily="49" charset="0"/>
               </a:rPr>
@@ -16066,20 +16750,20 @@
             <a:r>
               <a:rPr lang="en-US" altLang="zh-CN" sz="2000" b="1" dirty="0" err="1">
                 <a:solidFill>
-                  <a:schemeClr val="folHlink"/>
-                </a:solidFill>
-                <a:latin typeface="Courier New" panose="02070309020205020404" pitchFamily="49" charset="0"/>
-              </a:rPr>
-              <a:t>Array_t</a:t>
+                  <a:srgbClr val="0432FF"/>
+                </a:solidFill>
+                <a:latin typeface="Courier New" panose="02070309020205020404" pitchFamily="49" charset="0"/>
+              </a:rPr>
+              <a:t>Vector_t</a:t>
             </a:r>
             <a:r>
               <a:rPr lang="en-US" altLang="zh-CN" sz="2000" b="1" dirty="0">
                 <a:solidFill>
-                  <a:schemeClr val="folHlink"/>
-                </a:solidFill>
-                <a:latin typeface="Courier New" panose="02070309020205020404" pitchFamily="49" charset="0"/>
-              </a:rPr>
-              <a:t> l;</a:t>
+                  <a:srgbClr val="0432FF"/>
+                </a:solidFill>
+                <a:latin typeface="Courier New" panose="02070309020205020404" pitchFamily="49" charset="0"/>
+              </a:rPr>
+              <a:t> v;</a:t>
             </a:r>
           </a:p>
           <a:p>
@@ -16090,7 +16774,7 @@
             <a:r>
               <a:rPr lang="en-US" altLang="zh-CN" sz="2000" b="1" dirty="0">
                 <a:solidFill>
-                  <a:schemeClr val="folHlink"/>
+                  <a:srgbClr val="0432FF"/>
                 </a:solidFill>
                 <a:latin typeface="Courier New" panose="02070309020205020404" pitchFamily="49" charset="0"/>
               </a:rPr>
@@ -16115,368 +16799,16 @@
               <a:rPr lang="en-US" altLang="zh-CN" sz="2000" b="1" dirty="0">
                 <a:latin typeface="Courier New" panose="02070309020205020404" pitchFamily="49" charset="0"/>
               </a:rPr>
-              <a:t>// Recall the “box” strategy:</a:t>
+              <a:t>// Recall the data structure for a vector.</a:t>
             </a:r>
           </a:p>
         </p:txBody>
       </p:sp>
-      <p:grpSp>
-        <p:nvGrpSpPr>
-          <p:cNvPr id="169996" name="Group 12">
-            <a:extLst>
-              <a:ext uri="{FF2B5EF4-FFF2-40B4-BE49-F238E27FC236}">
-                <a16:creationId xmlns:a16="http://schemas.microsoft.com/office/drawing/2014/main" id="{5E9B823A-01DD-8D90-B999-1378172EE85D}"/>
-              </a:ext>
-            </a:extLst>
-          </p:cNvPr>
-          <p:cNvGrpSpPr>
-            <a:grpSpLocks/>
-          </p:cNvGrpSpPr>
-          <p:nvPr/>
-        </p:nvGrpSpPr>
-        <p:grpSpPr bwMode="auto">
-          <a:xfrm>
-            <a:off x="3581400" y="5410200"/>
-            <a:ext cx="2514600" cy="685800"/>
-            <a:chOff x="1296" y="2688"/>
-            <a:chExt cx="1584" cy="432"/>
-          </a:xfrm>
-        </p:grpSpPr>
-        <p:sp>
-          <p:nvSpPr>
-            <p:cNvPr id="169988" name="Rectangle 4">
-              <a:extLst>
-                <a:ext uri="{FF2B5EF4-FFF2-40B4-BE49-F238E27FC236}">
-                  <a16:creationId xmlns:a16="http://schemas.microsoft.com/office/drawing/2014/main" id="{47F1B2E4-E633-2EC3-22B3-2C1876EA4357}"/>
-                </a:ext>
-              </a:extLst>
-            </p:cNvPr>
-            <p:cNvSpPr>
-              <a:spLocks noChangeArrowheads="1"/>
-            </p:cNvSpPr>
-            <p:nvPr/>
-          </p:nvSpPr>
-          <p:spPr bwMode="auto">
-            <a:xfrm>
-              <a:off x="1776" y="2832"/>
-              <a:ext cx="480" cy="288"/>
-            </a:xfrm>
-            <a:prstGeom prst="rect">
-              <a:avLst/>
-            </a:prstGeom>
-            <a:solidFill>
-              <a:schemeClr val="accent2"/>
-            </a:solidFill>
-            <a:ln w="9525">
-              <a:solidFill>
-                <a:schemeClr val="tx1"/>
-              </a:solidFill>
-              <a:miter lim="800000"/>
-              <a:headEnd/>
-              <a:tailEnd/>
-            </a:ln>
-            <a:effectLst/>
-            <a:extLst>
-              <a:ext uri="{AF507438-7753-43E0-B8FC-AC1667EBCBE1}">
-                <a14:hiddenEffects xmlns:a14="http://schemas.microsoft.com/office/drawing/2010/main">
-                  <a:effectLst>
-                    <a:outerShdw dist="35921" dir="2700000" algn="ctr" rotWithShape="0">
-                      <a:schemeClr val="bg2"/>
-                    </a:outerShdw>
-                  </a:effectLst>
-                </a14:hiddenEffects>
-              </a:ext>
-            </a:extLst>
-          </p:spPr>
-          <p:txBody>
-            <a:bodyPr wrap="none" anchor="ctr"/>
-            <a:lstStyle/>
-            <a:p>
-              <a:pPr algn="ctr"/>
-              <a:r>
-                <a:rPr lang="en-US" altLang="zh-CN" sz="2000"/>
-                <a:t>l</a:t>
-              </a:r>
-            </a:p>
-          </p:txBody>
-        </p:sp>
-        <p:sp>
-          <p:nvSpPr>
-            <p:cNvPr id="169991" name="Text Box 7">
-              <a:extLst>
-                <a:ext uri="{FF2B5EF4-FFF2-40B4-BE49-F238E27FC236}">
-                  <a16:creationId xmlns:a16="http://schemas.microsoft.com/office/drawing/2014/main" id="{3C79AEFC-3629-F110-4918-C52C09A3AC3E}"/>
-                </a:ext>
-              </a:extLst>
-            </p:cNvPr>
-            <p:cNvSpPr txBox="1">
-              <a:spLocks noChangeArrowheads="1"/>
-            </p:cNvSpPr>
-            <p:nvPr/>
-          </p:nvSpPr>
-          <p:spPr bwMode="auto">
-            <a:xfrm>
-              <a:off x="1296" y="2688"/>
-              <a:ext cx="432" cy="250"/>
-            </a:xfrm>
-            <a:prstGeom prst="rect">
-              <a:avLst/>
-            </a:prstGeom>
-            <a:noFill/>
-            <a:ln>
-              <a:noFill/>
-            </a:ln>
-            <a:effectLst/>
-            <a:extLst>
-              <a:ext uri="{909E8E84-426E-40DD-AFC4-6F175D3DCCD1}">
-                <a14:hiddenFill xmlns:a14="http://schemas.microsoft.com/office/drawing/2010/main">
-                  <a:solidFill>
-                    <a:schemeClr val="accent1"/>
-                  </a:solidFill>
-                </a14:hiddenFill>
-              </a:ext>
-              <a:ext uri="{91240B29-F687-4F45-9708-019B960494DF}">
-                <a14:hiddenLine xmlns:a14="http://schemas.microsoft.com/office/drawing/2010/main" w="9525">
-                  <a:solidFill>
-                    <a:schemeClr val="tx1"/>
-                  </a:solidFill>
-                  <a:miter lim="800000"/>
-                  <a:headEnd/>
-                  <a:tailEnd/>
-                </a14:hiddenLine>
-              </a:ext>
-              <a:ext uri="{AF507438-7753-43E0-B8FC-AC1667EBCBE1}">
-                <a14:hiddenEffects xmlns:a14="http://schemas.microsoft.com/office/drawing/2010/main">
-                  <a:effectLst>
-                    <a:outerShdw dist="35921" dir="2700000" algn="ctr" rotWithShape="0">
-                      <a:schemeClr val="bg2"/>
-                    </a:outerShdw>
-                  </a:effectLst>
-                </a14:hiddenEffects>
-              </a:ext>
-            </a:extLst>
-          </p:spPr>
-          <p:txBody>
-            <a:bodyPr>
-              <a:spAutoFit/>
-            </a:bodyPr>
-            <a:lstStyle/>
-            <a:p>
-              <a:pPr>
-                <a:spcBef>
-                  <a:spcPct val="50000"/>
-                </a:spcBef>
-              </a:pPr>
-              <a:r>
-                <a:rPr lang="en-US" altLang="zh-CN" sz="2000"/>
-                <a:t>stk</a:t>
-              </a:r>
-            </a:p>
-          </p:txBody>
-        </p:sp>
-        <p:sp>
-          <p:nvSpPr>
-            <p:cNvPr id="169992" name="Line 8">
-              <a:extLst>
-                <a:ext uri="{FF2B5EF4-FFF2-40B4-BE49-F238E27FC236}">
-                  <a16:creationId xmlns:a16="http://schemas.microsoft.com/office/drawing/2014/main" id="{33572BF0-822E-4ABD-CC83-96E2D16A02BE}"/>
-                </a:ext>
-              </a:extLst>
-            </p:cNvPr>
-            <p:cNvSpPr>
-              <a:spLocks noChangeShapeType="1"/>
-            </p:cNvSpPr>
-            <p:nvPr/>
-          </p:nvSpPr>
-          <p:spPr bwMode="auto">
-            <a:xfrm>
-              <a:off x="1296" y="2928"/>
-              <a:ext cx="480" cy="0"/>
-            </a:xfrm>
-            <a:prstGeom prst="line">
-              <a:avLst/>
-            </a:prstGeom>
-            <a:noFill/>
-            <a:ln w="9525">
-              <a:solidFill>
-                <a:schemeClr val="tx1"/>
-              </a:solidFill>
-              <a:round/>
-              <a:headEnd/>
-              <a:tailEnd type="triangle" w="med" len="med"/>
-            </a:ln>
-            <a:effectLst/>
-            <a:extLst>
-              <a:ext uri="{909E8E84-426E-40DD-AFC4-6F175D3DCCD1}">
-                <a14:hiddenFill xmlns:a14="http://schemas.microsoft.com/office/drawing/2010/main">
-                  <a:noFill/>
-                </a14:hiddenFill>
-              </a:ext>
-              <a:ext uri="{AF507438-7753-43E0-B8FC-AC1667EBCBE1}">
-                <a14:hiddenEffects xmlns:a14="http://schemas.microsoft.com/office/drawing/2010/main">
-                  <a:effectLst>
-                    <a:outerShdw dist="35921" dir="2700000" algn="ctr" rotWithShape="0">
-                      <a:schemeClr val="bg2"/>
-                    </a:outerShdw>
-                  </a:effectLst>
-                </a14:hiddenEffects>
-              </a:ext>
-            </a:extLst>
-          </p:spPr>
-          <p:txBody>
-            <a:bodyPr/>
-            <a:lstStyle/>
-            <a:p>
-              <a:endParaRPr lang="zh-CN" altLang="en-US"/>
-            </a:p>
-          </p:txBody>
-        </p:sp>
-        <p:sp>
-          <p:nvSpPr>
-            <p:cNvPr id="169995" name="Line 11">
-              <a:extLst>
-                <a:ext uri="{FF2B5EF4-FFF2-40B4-BE49-F238E27FC236}">
-                  <a16:creationId xmlns:a16="http://schemas.microsoft.com/office/drawing/2014/main" id="{FC0ED98E-1B90-F626-8683-DD96F07A085A}"/>
-                </a:ext>
-              </a:extLst>
-            </p:cNvPr>
-            <p:cNvSpPr>
-              <a:spLocks noChangeShapeType="1"/>
-            </p:cNvSpPr>
-            <p:nvPr/>
-          </p:nvSpPr>
-          <p:spPr bwMode="auto">
-            <a:xfrm>
-              <a:off x="2256" y="2976"/>
-              <a:ext cx="624" cy="0"/>
-            </a:xfrm>
-            <a:prstGeom prst="line">
-              <a:avLst/>
-            </a:prstGeom>
-            <a:noFill/>
-            <a:ln w="9525">
-              <a:solidFill>
-                <a:schemeClr val="tx1"/>
-              </a:solidFill>
-              <a:round/>
-              <a:headEnd/>
-              <a:tailEnd type="triangle" w="med" len="med"/>
-            </a:ln>
-            <a:effectLst/>
-            <a:extLst>
-              <a:ext uri="{909E8E84-426E-40DD-AFC4-6F175D3DCCD1}">
-                <a14:hiddenFill xmlns:a14="http://schemas.microsoft.com/office/drawing/2010/main">
-                  <a:noFill/>
-                </a14:hiddenFill>
-              </a:ext>
-              <a:ext uri="{AF507438-7753-43E0-B8FC-AC1667EBCBE1}">
-                <a14:hiddenEffects xmlns:a14="http://schemas.microsoft.com/office/drawing/2010/main">
-                  <a:effectLst>
-                    <a:outerShdw dist="35921" dir="2700000" algn="ctr" rotWithShape="0">
-                      <a:schemeClr val="bg2"/>
-                    </a:outerShdw>
-                  </a:effectLst>
-                </a14:hiddenEffects>
-              </a:ext>
-            </a:extLst>
-          </p:spPr>
-          <p:txBody>
-            <a:bodyPr/>
-            <a:lstStyle/>
-            <a:p>
-              <a:endParaRPr lang="zh-CN" altLang="en-US"/>
-            </a:p>
-          </p:txBody>
-        </p:sp>
-      </p:grpSp>
     </p:spTree>
   </p:cSld>
   <p:clrMapOvr>
     <a:masterClrMapping/>
   </p:clrMapOvr>
-  <p:timing>
-    <p:tnLst>
-      <p:par>
-        <p:cTn id="1" dur="indefinite" restart="never" nodeType="tmRoot">
-          <p:childTnLst>
-            <p:seq concurrent="1" nextAc="seek">
-              <p:cTn id="2" dur="indefinite" nodeType="mainSeq">
-                <p:childTnLst>
-                  <p:par>
-                    <p:cTn id="3" fill="hold" nodeType="clickPar">
-                      <p:stCondLst>
-                        <p:cond delay="indefinite"/>
-                      </p:stCondLst>
-                      <p:childTnLst>
-                        <p:par>
-                          <p:cTn id="4" fill="hold" nodeType="withGroup">
-                            <p:stCondLst>
-                              <p:cond delay="0"/>
-                            </p:stCondLst>
-                            <p:childTnLst>
-                              <p:par>
-                                <p:cTn id="5" presetID="3" presetClass="entr" presetSubtype="10" fill="hold" nodeType="clickEffect">
-                                  <p:stCondLst>
-                                    <p:cond delay="0"/>
-                                  </p:stCondLst>
-                                  <p:childTnLst>
-                                    <p:set>
-                                      <p:cBhvr>
-                                        <p:cTn id="6" dur="1" fill="hold">
-                                          <p:stCondLst>
-                                            <p:cond delay="0"/>
-                                          </p:stCondLst>
-                                        </p:cTn>
-                                        <p:tgtEl>
-                                          <p:spTgt spid="169996"/>
-                                        </p:tgtEl>
-                                        <p:attrNameLst>
-                                          <p:attrName>style.visibility</p:attrName>
-                                        </p:attrNameLst>
-                                      </p:cBhvr>
-                                      <p:to>
-                                        <p:strVal val="visible"/>
-                                      </p:to>
-                                    </p:set>
-                                    <p:animEffect transition="in" filter="blinds(horizontal)">
-                                      <p:cBhvr>
-                                        <p:cTn id="7" dur="500"/>
-                                        <p:tgtEl>
-                                          <p:spTgt spid="169996"/>
-                                        </p:tgtEl>
-                                      </p:cBhvr>
-                                    </p:animEffect>
-                                  </p:childTnLst>
-                                </p:cTn>
-                              </p:par>
-                            </p:childTnLst>
-                          </p:cTn>
-                        </p:par>
-                      </p:childTnLst>
-                    </p:cTn>
-                  </p:par>
-                </p:childTnLst>
-              </p:cTn>
-              <p:prevCondLst>
-                <p:cond evt="onPrev" delay="0">
-                  <p:tgtEl>
-                    <p:sldTgt/>
-                  </p:tgtEl>
-                </p:cond>
-              </p:prevCondLst>
-              <p:nextCondLst>
-                <p:cond evt="onNext" delay="0">
-                  <p:tgtEl>
-                    <p:sldTgt/>
-                  </p:tgtEl>
-                </p:cond>
-              </p:nextCondLst>
-            </p:seq>
-          </p:childTnLst>
-        </p:cTn>
-      </p:par>
-    </p:tnLst>
-  </p:timing>
 </p:sld>
 </file>
 
@@ -16519,26 +16851,9 @@
           <a:lstStyle/>
           <a:p>
             <a:r>
-              <a:rPr lang="en-US" altLang="zh-CN"/>
-              <a:t>Operations: </a:t>
-            </a:r>
-            <a:r>
-              <a:rPr lang="en-US" altLang="zh-CN">
-                <a:latin typeface="Arial" panose="020B0604020202020204" pitchFamily="34" charset="0"/>
-              </a:rPr>
-              <a:t>“</a:t>
-            </a:r>
-            <a:r>
-              <a:rPr lang="en-US" altLang="zh-CN"/>
-              <a:t>new</a:t>
-            </a:r>
-            <a:r>
-              <a:rPr lang="en-US" altLang="zh-CN">
-                <a:latin typeface="Arial" panose="020B0604020202020204" pitchFamily="34" charset="0"/>
-              </a:rPr>
-              <a:t>”</a:t>
-            </a:r>
-            <a:endParaRPr lang="en-US" altLang="zh-CN"/>
+              <a:rPr lang="en-US" altLang="zh-CN" dirty="0"/>
+              <a:t>Create a Stack</a:t>
+            </a:r>
           </a:p>
         </p:txBody>
       </p:sp>
@@ -16570,7 +16885,7 @@
             <a:r>
               <a:rPr lang="en-US" altLang="zh-CN" sz="2000" b="1" dirty="0" err="1">
                 <a:solidFill>
-                  <a:schemeClr val="folHlink"/>
+                  <a:srgbClr val="0432FF"/>
                 </a:solidFill>
                 <a:latin typeface="Courier New" panose="02070309020205020404" pitchFamily="49" charset="0"/>
               </a:rPr>
@@ -16579,7 +16894,7 @@
             <a:r>
               <a:rPr lang="en-US" altLang="zh-CN" sz="2000" b="1" dirty="0">
                 <a:solidFill>
-                  <a:schemeClr val="folHlink"/>
+                  <a:srgbClr val="0432FF"/>
                 </a:solidFill>
                 <a:latin typeface="Courier New" panose="02070309020205020404" pitchFamily="49" charset="0"/>
               </a:rPr>
@@ -16588,7 +16903,7 @@
             <a:r>
               <a:rPr lang="en-US" altLang="zh-CN" sz="2000" b="1" dirty="0" err="1">
                 <a:solidFill>
-                  <a:schemeClr val="folHlink"/>
+                  <a:srgbClr val="0432FF"/>
                 </a:solidFill>
                 <a:latin typeface="Courier New" panose="02070309020205020404" pitchFamily="49" charset="0"/>
               </a:rPr>
@@ -16597,7 +16912,7 @@
             <a:r>
               <a:rPr lang="en-US" altLang="zh-CN" sz="2000" b="1" dirty="0">
                 <a:solidFill>
-                  <a:schemeClr val="folHlink"/>
+                  <a:srgbClr val="0432FF"/>
                 </a:solidFill>
                 <a:latin typeface="Courier New" panose="02070309020205020404" pitchFamily="49" charset="0"/>
               </a:rPr>
@@ -16612,7 +16927,7 @@
             <a:r>
               <a:rPr lang="en-US" altLang="zh-CN" sz="2000" b="1" dirty="0">
                 <a:solidFill>
-                  <a:schemeClr val="folHlink"/>
+                  <a:srgbClr val="0432FF"/>
                 </a:solidFill>
                 <a:latin typeface="Courier New" panose="02070309020205020404" pitchFamily="49" charset="0"/>
               </a:rPr>
@@ -16621,7 +16936,7 @@
             <a:r>
               <a:rPr lang="en-US" altLang="zh-CN" sz="2000" b="1" dirty="0" err="1">
                 <a:solidFill>
-                  <a:schemeClr val="folHlink"/>
+                  <a:srgbClr val="0432FF"/>
                 </a:solidFill>
                 <a:latin typeface="Courier New" panose="02070309020205020404" pitchFamily="49" charset="0"/>
               </a:rPr>
@@ -16630,7 +16945,7 @@
             <a:r>
               <a:rPr lang="en-US" altLang="zh-CN" sz="2000" b="1" dirty="0">
                 <a:solidFill>
-                  <a:schemeClr val="folHlink"/>
+                  <a:srgbClr val="0432FF"/>
                 </a:solidFill>
                 <a:latin typeface="Courier New" panose="02070309020205020404" pitchFamily="49" charset="0"/>
               </a:rPr>
@@ -16639,7 +16954,7 @@
             <a:r>
               <a:rPr lang="en-US" altLang="zh-CN" sz="2000" b="1" dirty="0" err="1">
                 <a:solidFill>
-                  <a:schemeClr val="folHlink"/>
+                  <a:srgbClr val="0432FF"/>
                 </a:solidFill>
                 <a:latin typeface="Courier New" panose="02070309020205020404" pitchFamily="49" charset="0"/>
               </a:rPr>
@@ -16648,25 +16963,34 @@
             <a:r>
               <a:rPr lang="en-US" altLang="zh-CN" sz="2000" b="1" dirty="0">
                 <a:solidFill>
-                  <a:schemeClr val="folHlink"/>
-                </a:solidFill>
-                <a:latin typeface="Courier New" panose="02070309020205020404" pitchFamily="49" charset="0"/>
-              </a:rPr>
-              <a:t> </a:t>
-            </a:r>
-            <a:r>
-              <a:rPr lang="en-US" altLang="zh-CN" sz="2000" b="1">
-                <a:solidFill>
-                  <a:schemeClr val="folHlink"/>
-                </a:solidFill>
-                <a:latin typeface="Courier New" panose="02070309020205020404" pitchFamily="49" charset="0"/>
-              </a:rPr>
-              <a:t>= malloc(</a:t>
+                  <a:srgbClr val="0432FF"/>
+                </a:solidFill>
+                <a:latin typeface="Courier New" panose="02070309020205020404" pitchFamily="49" charset="0"/>
+              </a:rPr>
+              <a:t> = </a:t>
             </a:r>
             <a:r>
               <a:rPr lang="en-US" altLang="zh-CN" sz="2000" b="1" dirty="0" err="1">
                 <a:solidFill>
-                  <a:schemeClr val="folHlink"/>
+                  <a:srgbClr val="0432FF"/>
+                </a:solidFill>
+                <a:latin typeface="Courier New" panose="02070309020205020404" pitchFamily="49" charset="0"/>
+              </a:rPr>
+              <a:t>calloc</a:t>
+            </a:r>
+            <a:r>
+              <a:rPr lang="en-US" altLang="zh-CN" sz="2000" b="1" dirty="0">
+                <a:solidFill>
+                  <a:srgbClr val="0432FF"/>
+                </a:solidFill>
+                <a:latin typeface="Courier New" panose="02070309020205020404" pitchFamily="49" charset="0"/>
+              </a:rPr>
+              <a:t>(1, </a:t>
+            </a:r>
+            <a:r>
+              <a:rPr lang="en-US" altLang="zh-CN" sz="2000" b="1" dirty="0" err="1">
+                <a:solidFill>
+                  <a:srgbClr val="0432FF"/>
                 </a:solidFill>
                 <a:latin typeface="Courier New" panose="02070309020205020404" pitchFamily="49" charset="0"/>
               </a:rPr>
@@ -16675,7 +16999,7 @@
             <a:r>
               <a:rPr lang="en-US" altLang="zh-CN" sz="2000" b="1" dirty="0">
                 <a:solidFill>
-                  <a:schemeClr val="folHlink"/>
+                  <a:srgbClr val="0432FF"/>
                 </a:solidFill>
                 <a:latin typeface="Courier New" panose="02070309020205020404" pitchFamily="49" charset="0"/>
               </a:rPr>
@@ -16684,7 +17008,7 @@
             <a:r>
               <a:rPr lang="en-US" altLang="zh-CN" sz="2000" b="1" dirty="0" err="1">
                 <a:solidFill>
-                  <a:schemeClr val="folHlink"/>
+                  <a:srgbClr val="0432FF"/>
                 </a:solidFill>
                 <a:latin typeface="Courier New" panose="02070309020205020404" pitchFamily="49" charset="0"/>
               </a:rPr>
@@ -16693,7 +17017,7 @@
             <a:r>
               <a:rPr lang="en-US" altLang="zh-CN" sz="2000" b="1" dirty="0">
                 <a:solidFill>
-                  <a:schemeClr val="folHlink"/>
+                  <a:srgbClr val="0432FF"/>
                 </a:solidFill>
                 <a:latin typeface="Courier New" panose="02070309020205020404" pitchFamily="49" charset="0"/>
               </a:rPr>
@@ -16708,7 +17032,7 @@
             <a:r>
               <a:rPr lang="en-US" altLang="zh-CN" sz="2000" b="1" dirty="0">
                 <a:solidFill>
-                  <a:schemeClr val="folHlink"/>
+                  <a:srgbClr val="0432FF"/>
                 </a:solidFill>
                 <a:latin typeface="Courier New" panose="02070309020205020404" pitchFamily="49" charset="0"/>
               </a:rPr>
@@ -16717,7 +17041,7 @@
             <a:r>
               <a:rPr lang="en-US" altLang="zh-CN" sz="2000" b="1" dirty="0" err="1">
                 <a:solidFill>
-                  <a:schemeClr val="folHlink"/>
+                  <a:srgbClr val="0432FF"/>
                 </a:solidFill>
                 <a:latin typeface="Courier New" panose="02070309020205020404" pitchFamily="49" charset="0"/>
               </a:rPr>
@@ -16726,29 +17050,29 @@
             <a:r>
               <a:rPr lang="en-US" altLang="zh-CN" sz="2000" b="1" dirty="0">
                 <a:solidFill>
-                  <a:schemeClr val="folHlink"/>
-                </a:solidFill>
-                <a:latin typeface="Courier New" panose="02070309020205020404" pitchFamily="49" charset="0"/>
-              </a:rPr>
-              <a:t>-&gt;l = </a:t>
+                  <a:srgbClr val="0432FF"/>
+                </a:solidFill>
+                <a:latin typeface="Courier New" panose="02070309020205020404" pitchFamily="49" charset="0"/>
+              </a:rPr>
+              <a:t>-&gt;v = </a:t>
             </a:r>
             <a:r>
               <a:rPr lang="en-US" altLang="zh-CN" sz="2000" b="1" dirty="0" err="1">
                 <a:solidFill>
-                  <a:schemeClr val="folHlink"/>
-                </a:solidFill>
-                <a:latin typeface="Courier New" panose="02070309020205020404" pitchFamily="49" charset="0"/>
-              </a:rPr>
-              <a:t>ArrayList_new</a:t>
+                  <a:srgbClr val="0432FF"/>
+                </a:solidFill>
+                <a:latin typeface="Courier New" panose="02070309020205020404" pitchFamily="49" charset="0"/>
+              </a:rPr>
+              <a:t>Vector_new</a:t>
             </a:r>
             <a:r>
               <a:rPr lang="en-US" altLang="zh-CN" sz="2000" b="1" dirty="0">
                 <a:solidFill>
-                  <a:schemeClr val="folHlink"/>
-                </a:solidFill>
-                <a:latin typeface="Courier New" panose="02070309020205020404" pitchFamily="49" charset="0"/>
-              </a:rPr>
-              <a:t> ();</a:t>
+                  <a:srgbClr val="0432FF"/>
+                </a:solidFill>
+                <a:latin typeface="Courier New" panose="02070309020205020404" pitchFamily="49" charset="0"/>
+              </a:rPr>
+              <a:t>();</a:t>
             </a:r>
           </a:p>
           <a:p>
@@ -16758,7 +17082,7 @@
             </a:pPr>
             <a:endParaRPr lang="en-US" altLang="zh-CN" sz="2000" b="1" dirty="0">
               <a:solidFill>
-                <a:schemeClr val="folHlink"/>
+                <a:srgbClr val="0432FF"/>
               </a:solidFill>
               <a:latin typeface="Courier New" panose="02070309020205020404" pitchFamily="49" charset="0"/>
             </a:endParaRPr>
@@ -16771,7 +17095,7 @@
             <a:r>
               <a:rPr lang="en-US" altLang="zh-CN" sz="2000" b="1" dirty="0">
                 <a:solidFill>
-                  <a:schemeClr val="folHlink"/>
+                  <a:srgbClr val="0432FF"/>
                 </a:solidFill>
                 <a:latin typeface="Courier New" panose="02070309020205020404" pitchFamily="49" charset="0"/>
               </a:rPr>
@@ -16780,7 +17104,7 @@
             <a:r>
               <a:rPr lang="en-US" altLang="zh-CN" sz="2000" b="1" dirty="0" err="1">
                 <a:solidFill>
-                  <a:schemeClr val="folHlink"/>
+                  <a:srgbClr val="0432FF"/>
                 </a:solidFill>
                 <a:latin typeface="Courier New" panose="02070309020205020404" pitchFamily="49" charset="0"/>
               </a:rPr>
@@ -16789,7 +17113,7 @@
             <a:r>
               <a:rPr lang="en-US" altLang="zh-CN" sz="2000" b="1" dirty="0">
                 <a:solidFill>
-                  <a:schemeClr val="folHlink"/>
+                  <a:srgbClr val="0432FF"/>
                 </a:solidFill>
                 <a:latin typeface="Courier New" panose="02070309020205020404" pitchFamily="49" charset="0"/>
               </a:rPr>
@@ -16804,7 +17128,7 @@
             <a:r>
               <a:rPr lang="en-US" altLang="zh-CN" sz="2000" b="1" dirty="0">
                 <a:solidFill>
-                  <a:schemeClr val="folHlink"/>
+                  <a:srgbClr val="0432FF"/>
                 </a:solidFill>
                 <a:latin typeface="Courier New" panose="02070309020205020404" pitchFamily="49" charset="0"/>
               </a:rPr>
@@ -17449,8 +17773,8 @@
           <a:p>
             <a:pPr algn="ctr"/>
             <a:r>
-              <a:rPr lang="en-US" altLang="zh-CN" sz="2000"/>
-              <a:t>max</a:t>
+              <a:rPr lang="en-US" altLang="zh-CN" sz="2000" dirty="0"/>
+              <a:t>cap</a:t>
             </a:r>
           </a:p>
         </p:txBody>
@@ -17507,8 +17831,8 @@
           <a:p>
             <a:pPr algn="ctr"/>
             <a:r>
-              <a:rPr lang="en-US" altLang="zh-CN" sz="2000"/>
-              <a:t>tail</a:t>
+              <a:rPr lang="en-US" altLang="zh-CN" sz="2000" dirty="0"/>
+              <a:t>next</a:t>
             </a:r>
           </a:p>
         </p:txBody>
@@ -17747,8 +18071,8 @@
             <a:p>
               <a:pPr algn="ctr"/>
               <a:r>
-                <a:rPr lang="en-US" altLang="zh-CN" sz="2000"/>
-                <a:t>l</a:t>
+                <a:rPr lang="en-US" altLang="zh-CN" sz="2000" dirty="0"/>
+                <a:t>v</a:t>
               </a:r>
             </a:p>
           </p:txBody>
@@ -18105,13 +18429,67 @@
               <a:buNone/>
             </a:pPr>
             <a:r>
-              <a:rPr lang="en-US" altLang="zh-CN" sz="2000" b="1">
-                <a:solidFill>
-                  <a:schemeClr val="folHlink"/>
-                </a:solidFill>
-                <a:latin typeface="Courier New" panose="02070309020205020404" pitchFamily="49" charset="0"/>
-              </a:rPr>
-              <a:t>int Stack_size (Stack_t stk)</a:t>
+              <a:rPr lang="en-US" altLang="zh-CN" sz="2000" b="1" dirty="0">
+                <a:solidFill>
+                  <a:srgbClr val="0432FF"/>
+                </a:solidFill>
+                <a:latin typeface="Courier New" panose="02070309020205020404" pitchFamily="49" charset="0"/>
+              </a:rPr>
+              <a:t>int </a:t>
+            </a:r>
+            <a:r>
+              <a:rPr lang="en-US" altLang="zh-CN" sz="2000" b="1" dirty="0" err="1">
+                <a:solidFill>
+                  <a:srgbClr val="0432FF"/>
+                </a:solidFill>
+                <a:latin typeface="Courier New" panose="02070309020205020404" pitchFamily="49" charset="0"/>
+              </a:rPr>
+              <a:t>Stack_size</a:t>
+            </a:r>
+            <a:r>
+              <a:rPr lang="en-US" altLang="zh-CN" sz="2000" b="1" dirty="0">
+                <a:solidFill>
+                  <a:srgbClr val="0432FF"/>
+                </a:solidFill>
+                <a:latin typeface="Courier New" panose="02070309020205020404" pitchFamily="49" charset="0"/>
+              </a:rPr>
+              <a:t>(</a:t>
+            </a:r>
+            <a:r>
+              <a:rPr lang="en-US" altLang="zh-CN" sz="2000" b="1" dirty="0" err="1">
+                <a:solidFill>
+                  <a:srgbClr val="0432FF"/>
+                </a:solidFill>
+                <a:latin typeface="Courier New" panose="02070309020205020404" pitchFamily="49" charset="0"/>
+              </a:rPr>
+              <a:t>Stack_t</a:t>
+            </a:r>
+            <a:r>
+              <a:rPr lang="en-US" altLang="zh-CN" sz="2000" b="1" dirty="0">
+                <a:solidFill>
+                  <a:srgbClr val="0432FF"/>
+                </a:solidFill>
+                <a:latin typeface="Courier New" panose="02070309020205020404" pitchFamily="49" charset="0"/>
+              </a:rPr>
+              <a:t> </a:t>
+            </a:r>
+            <a:r>
+              <a:rPr lang="en-US" altLang="zh-CN" sz="2000" b="1" dirty="0" err="1">
+                <a:solidFill>
+                  <a:srgbClr val="0432FF"/>
+                </a:solidFill>
+                <a:latin typeface="Courier New" panose="02070309020205020404" pitchFamily="49" charset="0"/>
+              </a:rPr>
+              <a:t>stk</a:t>
+            </a:r>
+            <a:r>
+              <a:rPr lang="en-US" altLang="zh-CN" sz="2000" b="1" dirty="0">
+                <a:solidFill>
+                  <a:srgbClr val="0432FF"/>
+                </a:solidFill>
+                <a:latin typeface="Courier New" panose="02070309020205020404" pitchFamily="49" charset="0"/>
+              </a:rPr>
+              <a:t>){</a:t>
             </a:r>
           </a:p>
           <a:p>
@@ -18123,13 +18501,49 @@
               <a:buNone/>
             </a:pPr>
             <a:r>
-              <a:rPr lang="en-US" altLang="zh-CN" sz="2000" b="1">
-                <a:solidFill>
-                  <a:schemeClr val="folHlink"/>
-                </a:solidFill>
-                <a:latin typeface="Courier New" panose="02070309020205020404" pitchFamily="49" charset="0"/>
-              </a:rPr>
-              <a:t>{</a:t>
+              <a:rPr lang="en-US" altLang="zh-CN" sz="2000" b="1" dirty="0">
+                <a:solidFill>
+                  <a:srgbClr val="0432FF"/>
+                </a:solidFill>
+                <a:latin typeface="Courier New" panose="02070309020205020404" pitchFamily="49" charset="0"/>
+              </a:rPr>
+              <a:t>  return </a:t>
+            </a:r>
+            <a:r>
+              <a:rPr lang="en-US" altLang="zh-CN" sz="2000" b="1" dirty="0" err="1">
+                <a:solidFill>
+                  <a:srgbClr val="0432FF"/>
+                </a:solidFill>
+                <a:latin typeface="Courier New" panose="02070309020205020404" pitchFamily="49" charset="0"/>
+              </a:rPr>
+              <a:t>Vector_length</a:t>
+            </a:r>
+            <a:r>
+              <a:rPr lang="en-US" altLang="zh-CN" sz="2000" b="1" dirty="0">
+                <a:solidFill>
+                  <a:srgbClr val="0432FF"/>
+                </a:solidFill>
+                <a:latin typeface="Courier New" panose="02070309020205020404" pitchFamily="49" charset="0"/>
+              </a:rPr>
+              <a:t>(</a:t>
+            </a:r>
+            <a:r>
+              <a:rPr lang="en-US" altLang="zh-CN" sz="2000" b="1" dirty="0" err="1">
+                <a:solidFill>
+                  <a:srgbClr val="0432FF"/>
+                </a:solidFill>
+                <a:latin typeface="Courier New" panose="02070309020205020404" pitchFamily="49" charset="0"/>
+              </a:rPr>
+              <a:t>stk</a:t>
+            </a:r>
+            <a:r>
+              <a:rPr lang="en-US" altLang="zh-CN" sz="2000" b="1" dirty="0">
+                <a:solidFill>
+                  <a:srgbClr val="0432FF"/>
+                </a:solidFill>
+                <a:latin typeface="Courier New" panose="02070309020205020404" pitchFamily="49" charset="0"/>
+              </a:rPr>
+              <a:t>-&gt;v);</a:t>
             </a:r>
           </a:p>
           <a:p>
@@ -18141,13 +18555,13 @@
               <a:buNone/>
             </a:pPr>
             <a:r>
-              <a:rPr lang="en-US" altLang="zh-CN" sz="2000" b="1">
-                <a:solidFill>
-                  <a:schemeClr val="folHlink"/>
-                </a:solidFill>
-                <a:latin typeface="Courier New" panose="02070309020205020404" pitchFamily="49" charset="0"/>
-              </a:rPr>
-              <a:t>  return Array_length (stk-&gt;l);</a:t>
+              <a:rPr lang="en-US" altLang="zh-CN" sz="2000" b="1" dirty="0">
+                <a:solidFill>
+                  <a:srgbClr val="0432FF"/>
+                </a:solidFill>
+                <a:latin typeface="Courier New" panose="02070309020205020404" pitchFamily="49" charset="0"/>
+              </a:rPr>
+              <a:t>}</a:t>
             </a:r>
           </a:p>
           <a:p>
@@ -18158,25 +18572,7 @@
               <a:buFont typeface="Wingdings" pitchFamily="2" charset="2"/>
               <a:buNone/>
             </a:pPr>
-            <a:r>
-              <a:rPr lang="en-US" altLang="zh-CN" sz="2000" b="1">
-                <a:solidFill>
-                  <a:schemeClr val="folHlink"/>
-                </a:solidFill>
-                <a:latin typeface="Courier New" panose="02070309020205020404" pitchFamily="49" charset="0"/>
-              </a:rPr>
-              <a:t>}</a:t>
-            </a:r>
-          </a:p>
-          <a:p>
-            <a:pPr>
-              <a:lnSpc>
-                <a:spcPct val="80000"/>
-              </a:lnSpc>
-              <a:buFont typeface="Wingdings" pitchFamily="2" charset="2"/>
-              <a:buNone/>
-            </a:pPr>
-            <a:endParaRPr lang="en-US" altLang="zh-CN" sz="2000" b="1">
+            <a:endParaRPr lang="en-US" altLang="zh-CN" sz="2000" b="1" dirty="0">
               <a:solidFill>
                 <a:schemeClr val="folHlink"/>
               </a:solidFill>
@@ -18821,8 +19217,8 @@
           <a:p>
             <a:pPr algn="ctr"/>
             <a:r>
-              <a:rPr lang="en-US" altLang="zh-CN" sz="2000"/>
-              <a:t>max</a:t>
+              <a:rPr lang="en-US" altLang="zh-CN" sz="2000" dirty="0"/>
+              <a:t>cap</a:t>
             </a:r>
           </a:p>
         </p:txBody>
@@ -18879,8 +19275,8 @@
           <a:p>
             <a:pPr algn="ctr"/>
             <a:r>
-              <a:rPr lang="en-US" altLang="zh-CN" sz="2000"/>
-              <a:t>tail</a:t>
+              <a:rPr lang="en-US" altLang="zh-CN" sz="2000" dirty="0"/>
+              <a:t>next</a:t>
             </a:r>
           </a:p>
         </p:txBody>
@@ -19119,8 +19515,8 @@
             <a:p>
               <a:pPr algn="ctr"/>
               <a:r>
-                <a:rPr lang="en-US" altLang="zh-CN" sz="2000"/>
-                <a:t>l</a:t>
+                <a:rPr lang="en-US" altLang="zh-CN" sz="2000" dirty="0"/>
+                <a:t>v</a:t>
               </a:r>
             </a:p>
           </p:txBody>
@@ -19497,13 +19893,67 @@
               <a:buNone/>
             </a:pPr>
             <a:r>
-              <a:rPr lang="en-US" altLang="zh-CN" sz="2000" b="1">
-                <a:solidFill>
-                  <a:schemeClr val="folHlink"/>
-                </a:solidFill>
-                <a:latin typeface="Courier New" panose="02070309020205020404" pitchFamily="49" charset="0"/>
-              </a:rPr>
-              <a:t>int Stack_isEmpty (Stack_t stk)</a:t>
+              <a:rPr lang="en-US" altLang="zh-CN" sz="2000" b="1" dirty="0">
+                <a:solidFill>
+                  <a:srgbClr val="0432FF"/>
+                </a:solidFill>
+                <a:latin typeface="Courier New" panose="02070309020205020404" pitchFamily="49" charset="0"/>
+              </a:rPr>
+              <a:t>int </a:t>
+            </a:r>
+            <a:r>
+              <a:rPr lang="en-US" altLang="zh-CN" sz="2000" b="1" dirty="0" err="1">
+                <a:solidFill>
+                  <a:srgbClr val="0432FF"/>
+                </a:solidFill>
+                <a:latin typeface="Courier New" panose="02070309020205020404" pitchFamily="49" charset="0"/>
+              </a:rPr>
+              <a:t>Stack_isEmpty</a:t>
+            </a:r>
+            <a:r>
+              <a:rPr lang="en-US" altLang="zh-CN" sz="2000" b="1" dirty="0">
+                <a:solidFill>
+                  <a:srgbClr val="0432FF"/>
+                </a:solidFill>
+                <a:latin typeface="Courier New" panose="02070309020205020404" pitchFamily="49" charset="0"/>
+              </a:rPr>
+              <a:t>(</a:t>
+            </a:r>
+            <a:r>
+              <a:rPr lang="en-US" altLang="zh-CN" sz="2000" b="1" dirty="0" err="1">
+                <a:solidFill>
+                  <a:srgbClr val="0432FF"/>
+                </a:solidFill>
+                <a:latin typeface="Courier New" panose="02070309020205020404" pitchFamily="49" charset="0"/>
+              </a:rPr>
+              <a:t>Stack_t</a:t>
+            </a:r>
+            <a:r>
+              <a:rPr lang="en-US" altLang="zh-CN" sz="2000" b="1" dirty="0">
+                <a:solidFill>
+                  <a:srgbClr val="0432FF"/>
+                </a:solidFill>
+                <a:latin typeface="Courier New" panose="02070309020205020404" pitchFamily="49" charset="0"/>
+              </a:rPr>
+              <a:t> </a:t>
+            </a:r>
+            <a:r>
+              <a:rPr lang="en-US" altLang="zh-CN" sz="2000" b="1" dirty="0" err="1">
+                <a:solidFill>
+                  <a:srgbClr val="0432FF"/>
+                </a:solidFill>
+                <a:latin typeface="Courier New" panose="02070309020205020404" pitchFamily="49" charset="0"/>
+              </a:rPr>
+              <a:t>stk</a:t>
+            </a:r>
+            <a:r>
+              <a:rPr lang="en-US" altLang="zh-CN" sz="2000" b="1" dirty="0">
+                <a:solidFill>
+                  <a:srgbClr val="0432FF"/>
+                </a:solidFill>
+                <a:latin typeface="Courier New" panose="02070309020205020404" pitchFamily="49" charset="0"/>
+              </a:rPr>
+              <a:t>){</a:t>
             </a:r>
           </a:p>
           <a:p>
@@ -19515,13 +19965,49 @@
               <a:buNone/>
             </a:pPr>
             <a:r>
-              <a:rPr lang="en-US" altLang="zh-CN" sz="2000" b="1">
-                <a:solidFill>
-                  <a:schemeClr val="folHlink"/>
-                </a:solidFill>
-                <a:latin typeface="Courier New" panose="02070309020205020404" pitchFamily="49" charset="0"/>
-              </a:rPr>
-              <a:t>{</a:t>
+              <a:rPr lang="en-US" altLang="zh-CN" sz="2000" b="1" dirty="0">
+                <a:solidFill>
+                  <a:srgbClr val="0432FF"/>
+                </a:solidFill>
+                <a:latin typeface="Courier New" panose="02070309020205020404" pitchFamily="49" charset="0"/>
+              </a:rPr>
+              <a:t>  return </a:t>
+            </a:r>
+            <a:r>
+              <a:rPr lang="en-US" altLang="zh-CN" sz="2000" b="1" dirty="0" err="1">
+                <a:solidFill>
+                  <a:srgbClr val="0432FF"/>
+                </a:solidFill>
+                <a:latin typeface="Courier New" panose="02070309020205020404" pitchFamily="49" charset="0"/>
+              </a:rPr>
+              <a:t>Vector_isEmpty</a:t>
+            </a:r>
+            <a:r>
+              <a:rPr lang="en-US" altLang="zh-CN" sz="2000" b="1" dirty="0">
+                <a:solidFill>
+                  <a:srgbClr val="0432FF"/>
+                </a:solidFill>
+                <a:latin typeface="Courier New" panose="02070309020205020404" pitchFamily="49" charset="0"/>
+              </a:rPr>
+              <a:t>(</a:t>
+            </a:r>
+            <a:r>
+              <a:rPr lang="en-US" altLang="zh-CN" sz="2000" b="1" dirty="0" err="1">
+                <a:solidFill>
+                  <a:srgbClr val="0432FF"/>
+                </a:solidFill>
+                <a:latin typeface="Courier New" panose="02070309020205020404" pitchFamily="49" charset="0"/>
+              </a:rPr>
+              <a:t>stk</a:t>
+            </a:r>
+            <a:r>
+              <a:rPr lang="en-US" altLang="zh-CN" sz="2000" b="1" dirty="0">
+                <a:solidFill>
+                  <a:srgbClr val="0432FF"/>
+                </a:solidFill>
+                <a:latin typeface="Courier New" panose="02070309020205020404" pitchFamily="49" charset="0"/>
+              </a:rPr>
+              <a:t>-&gt;v);</a:t>
             </a:r>
           </a:p>
           <a:p>
@@ -19533,27 +20019,9 @@
               <a:buNone/>
             </a:pPr>
             <a:r>
-              <a:rPr lang="en-US" altLang="zh-CN" sz="2000" b="1">
-                <a:solidFill>
-                  <a:schemeClr val="folHlink"/>
-                </a:solidFill>
-                <a:latin typeface="Courier New" panose="02070309020205020404" pitchFamily="49" charset="0"/>
-              </a:rPr>
-              <a:t>  return Array_isEmpty (stk-&gt;l);</a:t>
-            </a:r>
-          </a:p>
-          <a:p>
-            <a:pPr>
-              <a:lnSpc>
-                <a:spcPct val="80000"/>
-              </a:lnSpc>
-              <a:buFont typeface="Wingdings" pitchFamily="2" charset="2"/>
-              <a:buNone/>
-            </a:pPr>
-            <a:r>
-              <a:rPr lang="en-US" altLang="zh-CN" sz="2000" b="1">
-                <a:solidFill>
-                  <a:schemeClr val="folHlink"/>
+              <a:rPr lang="en-US" altLang="zh-CN" sz="2000" b="1" dirty="0">
+                <a:solidFill>
+                  <a:srgbClr val="0432FF"/>
                 </a:solidFill>
                 <a:latin typeface="Courier New" panose="02070309020205020404" pitchFamily="49" charset="0"/>
               </a:rPr>
@@ -20198,8 +20666,8 @@
           <a:p>
             <a:pPr algn="ctr"/>
             <a:r>
-              <a:rPr lang="en-US" altLang="zh-CN" sz="2000"/>
-              <a:t>max</a:t>
+              <a:rPr lang="en-US" altLang="zh-CN" sz="2000" dirty="0"/>
+              <a:t>cap</a:t>
             </a:r>
           </a:p>
         </p:txBody>
@@ -20256,8 +20724,8 @@
           <a:p>
             <a:pPr algn="ctr"/>
             <a:r>
-              <a:rPr lang="en-US" altLang="zh-CN" sz="2000"/>
-              <a:t>tail</a:t>
+              <a:rPr lang="en-US" altLang="zh-CN" sz="2000" dirty="0"/>
+              <a:t>next</a:t>
             </a:r>
           </a:p>
         </p:txBody>
@@ -20496,8 +20964,8 @@
             <a:p>
               <a:pPr algn="ctr"/>
               <a:r>
-                <a:rPr lang="en-US" altLang="zh-CN" sz="2000"/>
-                <a:t>l</a:t>
+                <a:rPr lang="en-US" altLang="zh-CN" sz="2000" dirty="0"/>
+                <a:t>v</a:t>
               </a:r>
             </a:p>
           </p:txBody>
@@ -20854,13 +21322,85 @@
               <a:buNone/>
             </a:pPr>
             <a:r>
-              <a:rPr lang="en-US" altLang="zh-CN" sz="2000" b="1">
-                <a:solidFill>
-                  <a:schemeClr val="folHlink"/>
-                </a:solidFill>
-                <a:latin typeface="Courier New" panose="02070309020205020404" pitchFamily="49" charset="0"/>
-              </a:rPr>
-              <a:t>void Stack_push (Stack_t stk, poly x)</a:t>
+              <a:rPr lang="en-US" altLang="zh-CN" sz="2000" b="1" dirty="0">
+                <a:solidFill>
+                  <a:srgbClr val="0432FF"/>
+                </a:solidFill>
+                <a:latin typeface="Courier New" panose="02070309020205020404" pitchFamily="49" charset="0"/>
+              </a:rPr>
+              <a:t>void </a:t>
+            </a:r>
+            <a:r>
+              <a:rPr lang="en-US" altLang="zh-CN" sz="2000" b="1" dirty="0" err="1">
+                <a:solidFill>
+                  <a:srgbClr val="0432FF"/>
+                </a:solidFill>
+                <a:latin typeface="Courier New" panose="02070309020205020404" pitchFamily="49" charset="0"/>
+              </a:rPr>
+              <a:t>Stack_push</a:t>
+            </a:r>
+            <a:r>
+              <a:rPr lang="en-US" altLang="zh-CN" sz="2000" b="1" dirty="0">
+                <a:solidFill>
+                  <a:srgbClr val="0432FF"/>
+                </a:solidFill>
+                <a:latin typeface="Courier New" panose="02070309020205020404" pitchFamily="49" charset="0"/>
+              </a:rPr>
+              <a:t>(</a:t>
+            </a:r>
+            <a:r>
+              <a:rPr lang="en-US" altLang="zh-CN" sz="2000" b="1" dirty="0" err="1">
+                <a:solidFill>
+                  <a:srgbClr val="0432FF"/>
+                </a:solidFill>
+                <a:latin typeface="Courier New" panose="02070309020205020404" pitchFamily="49" charset="0"/>
+              </a:rPr>
+              <a:t>Stack_t</a:t>
+            </a:r>
+            <a:r>
+              <a:rPr lang="en-US" altLang="zh-CN" sz="2000" b="1" dirty="0">
+                <a:solidFill>
+                  <a:srgbClr val="0432FF"/>
+                </a:solidFill>
+                <a:latin typeface="Courier New" panose="02070309020205020404" pitchFamily="49" charset="0"/>
+              </a:rPr>
+              <a:t> </a:t>
+            </a:r>
+            <a:r>
+              <a:rPr lang="en-US" altLang="zh-CN" sz="2000" b="1" dirty="0" err="1">
+                <a:solidFill>
+                  <a:srgbClr val="0432FF"/>
+                </a:solidFill>
+                <a:latin typeface="Courier New" panose="02070309020205020404" pitchFamily="49" charset="0"/>
+              </a:rPr>
+              <a:t>stk</a:t>
+            </a:r>
+            <a:r>
+              <a:rPr lang="en-US" altLang="zh-CN" sz="2000" b="1" dirty="0">
+                <a:solidFill>
+                  <a:srgbClr val="0432FF"/>
+                </a:solidFill>
+                <a:latin typeface="Courier New" panose="02070309020205020404" pitchFamily="49" charset="0"/>
+              </a:rPr>
+              <a:t>, </a:t>
+            </a:r>
+            <a:r>
+              <a:rPr lang="en-US" altLang="zh-CN" sz="2000" b="1" dirty="0" err="1">
+                <a:solidFill>
+                  <a:srgbClr val="0432FF"/>
+                </a:solidFill>
+                <a:latin typeface="Courier New" panose="02070309020205020404" pitchFamily="49" charset="0"/>
+              </a:rPr>
+              <a:t>Poly_t</a:t>
+            </a:r>
+            <a:r>
+              <a:rPr lang="en-US" altLang="zh-CN" sz="2000" b="1" dirty="0">
+                <a:solidFill>
+                  <a:srgbClr val="0432FF"/>
+                </a:solidFill>
+                <a:latin typeface="Courier New" panose="02070309020205020404" pitchFamily="49" charset="0"/>
+              </a:rPr>
+              <a:t> x){</a:t>
             </a:r>
           </a:p>
           <a:p>
@@ -20872,13 +21412,49 @@
               <a:buNone/>
             </a:pPr>
             <a:r>
-              <a:rPr lang="en-US" altLang="zh-CN" sz="2000" b="1">
-                <a:solidFill>
-                  <a:schemeClr val="folHlink"/>
-                </a:solidFill>
-                <a:latin typeface="Courier New" panose="02070309020205020404" pitchFamily="49" charset="0"/>
-              </a:rPr>
-              <a:t>{</a:t>
+              <a:rPr lang="en-US" altLang="zh-CN" sz="2000" b="1" dirty="0">
+                <a:solidFill>
+                  <a:srgbClr val="0432FF"/>
+                </a:solidFill>
+                <a:latin typeface="Courier New" panose="02070309020205020404" pitchFamily="49" charset="0"/>
+              </a:rPr>
+              <a:t>  </a:t>
+            </a:r>
+            <a:r>
+              <a:rPr lang="en-US" altLang="zh-CN" sz="2000" b="1" dirty="0" err="1">
+                <a:solidFill>
+                  <a:srgbClr val="0432FF"/>
+                </a:solidFill>
+                <a:latin typeface="Courier New" panose="02070309020205020404" pitchFamily="49" charset="0"/>
+              </a:rPr>
+              <a:t>Vector_insertLast</a:t>
+            </a:r>
+            <a:r>
+              <a:rPr lang="en-US" altLang="zh-CN" sz="2000" b="1" dirty="0">
+                <a:solidFill>
+                  <a:srgbClr val="0432FF"/>
+                </a:solidFill>
+                <a:latin typeface="Courier New" panose="02070309020205020404" pitchFamily="49" charset="0"/>
+              </a:rPr>
+              <a:t>(</a:t>
+            </a:r>
+            <a:r>
+              <a:rPr lang="en-US" altLang="zh-CN" sz="2000" b="1" dirty="0" err="1">
+                <a:solidFill>
+                  <a:srgbClr val="0432FF"/>
+                </a:solidFill>
+                <a:latin typeface="Courier New" panose="02070309020205020404" pitchFamily="49" charset="0"/>
+              </a:rPr>
+              <a:t>stk</a:t>
+            </a:r>
+            <a:r>
+              <a:rPr lang="en-US" altLang="zh-CN" sz="2000" b="1" dirty="0">
+                <a:solidFill>
+                  <a:srgbClr val="0432FF"/>
+                </a:solidFill>
+                <a:latin typeface="Courier New" panose="02070309020205020404" pitchFamily="49" charset="0"/>
+              </a:rPr>
+              <a:t>-&gt;v, x);</a:t>
             </a:r>
           </a:p>
           <a:p>
@@ -20890,13 +21466,13 @@
               <a:buNone/>
             </a:pPr>
             <a:r>
-              <a:rPr lang="en-US" altLang="zh-CN" sz="2000" b="1">
-                <a:solidFill>
-                  <a:schemeClr val="folHlink"/>
-                </a:solidFill>
-                <a:latin typeface="Courier New" panose="02070309020205020404" pitchFamily="49" charset="0"/>
-              </a:rPr>
-              <a:t>  Array_insertLast (stk-&gt;l, x);</a:t>
+              <a:rPr lang="en-US" altLang="zh-CN" sz="2000" b="1" dirty="0">
+                <a:solidFill>
+                  <a:srgbClr val="0432FF"/>
+                </a:solidFill>
+                <a:latin typeface="Courier New" panose="02070309020205020404" pitchFamily="49" charset="0"/>
+              </a:rPr>
+              <a:t>  return;</a:t>
             </a:r>
           </a:p>
           <a:p>
@@ -20908,13 +21484,13 @@
               <a:buNone/>
             </a:pPr>
             <a:r>
-              <a:rPr lang="en-US" altLang="zh-CN" sz="2000" b="1">
-                <a:solidFill>
-                  <a:schemeClr val="folHlink"/>
-                </a:solidFill>
-                <a:latin typeface="Courier New" panose="02070309020205020404" pitchFamily="49" charset="0"/>
-              </a:rPr>
-              <a:t>  return;</a:t>
+              <a:rPr lang="en-US" altLang="zh-CN" sz="2000" b="1" dirty="0">
+                <a:solidFill>
+                  <a:srgbClr val="0432FF"/>
+                </a:solidFill>
+                <a:latin typeface="Courier New" panose="02070309020205020404" pitchFamily="49" charset="0"/>
+              </a:rPr>
+              <a:t>}</a:t>
             </a:r>
           </a:p>
           <a:p>
@@ -20925,27 +21501,9 @@
               <a:buFont typeface="Wingdings" pitchFamily="2" charset="2"/>
               <a:buNone/>
             </a:pPr>
-            <a:r>
-              <a:rPr lang="en-US" altLang="zh-CN" sz="2000" b="1">
-                <a:solidFill>
-                  <a:schemeClr val="folHlink"/>
-                </a:solidFill>
-                <a:latin typeface="Courier New" panose="02070309020205020404" pitchFamily="49" charset="0"/>
-              </a:rPr>
-              <a:t>}</a:t>
-            </a:r>
-          </a:p>
-          <a:p>
-            <a:pPr>
-              <a:lnSpc>
-                <a:spcPct val="80000"/>
-              </a:lnSpc>
-              <a:buFont typeface="Wingdings" pitchFamily="2" charset="2"/>
-              <a:buNone/>
-            </a:pPr>
-            <a:endParaRPr lang="en-US" altLang="zh-CN" sz="2000" b="1">
+            <a:endParaRPr lang="en-US" altLang="zh-CN" sz="2000" b="1" dirty="0">
               <a:solidFill>
-                <a:schemeClr val="folHlink"/>
+                <a:srgbClr val="0432FF"/>
               </a:solidFill>
               <a:latin typeface="Courier New" panose="02070309020205020404" pitchFamily="49" charset="0"/>
             </a:endParaRPr>
@@ -21588,8 +22146,8 @@
           <a:p>
             <a:pPr algn="ctr"/>
             <a:r>
-              <a:rPr lang="en-US" altLang="zh-CN" sz="2000"/>
-              <a:t>max</a:t>
+              <a:rPr lang="en-US" altLang="zh-CN" sz="2000" dirty="0"/>
+              <a:t>cap</a:t>
             </a:r>
           </a:p>
         </p:txBody>
@@ -21646,8 +22204,8 @@
           <a:p>
             <a:pPr algn="ctr"/>
             <a:r>
-              <a:rPr lang="en-US" altLang="zh-CN" sz="2000"/>
-              <a:t>tail</a:t>
+              <a:rPr lang="en-US" altLang="zh-CN" sz="2000" dirty="0"/>
+              <a:t>next</a:t>
             </a:r>
           </a:p>
         </p:txBody>
@@ -21886,8 +22444,8 @@
             <a:p>
               <a:pPr algn="ctr"/>
               <a:r>
-                <a:rPr lang="en-US" altLang="zh-CN" sz="2000"/>
-                <a:t>l</a:t>
+                <a:rPr lang="en-US" altLang="zh-CN" sz="2000" dirty="0"/>
+                <a:t>v</a:t>
               </a:r>
             </a:p>
           </p:txBody>
